--- a/2dgp.pptx
+++ b/2dgp.pptx
@@ -6,10 +6,8 @@
   </p:sldMasterIdLst>
   <p:sldIdLst>
     <p:sldId id="256" r:id="rId2"/>
-    <p:sldId id="260" r:id="rId3"/>
-    <p:sldId id="261" r:id="rId4"/>
-    <p:sldId id="259" r:id="rId5"/>
-    <p:sldId id="262" r:id="rId6"/>
+    <p:sldId id="261" r:id="rId3"/>
+    <p:sldId id="262" r:id="rId4"/>
   </p:sldIdLst>
   <p:sldSz cx="12192000" cy="6858000"/>
   <p:notesSz cx="6858000" cy="9144000"/>
@@ -304,7 +302,7 @@
           <a:p>
             <a:fld id="{B5000D9F-EBDC-4FCD-A2EA-0603E3C8FE66}" type="datetimeFigureOut">
               <a:rPr lang="ko-KR" altLang="en-US" smtClean="0"/>
-              <a:t>2019-10-31</a:t>
+              <a:t>2019-11-24</a:t>
             </a:fld>
             <a:endParaRPr lang="ko-KR" altLang="en-US"/>
           </a:p>
@@ -642,7 +640,7 @@
           <a:p>
             <a:fld id="{B5000D9F-EBDC-4FCD-A2EA-0603E3C8FE66}" type="datetimeFigureOut">
               <a:rPr lang="ko-KR" altLang="en-US" smtClean="0"/>
-              <a:t>2019-10-31</a:t>
+              <a:t>2019-11-24</a:t>
             </a:fld>
             <a:endParaRPr lang="ko-KR" altLang="en-US"/>
           </a:p>
@@ -1043,7 +1041,7 @@
           <a:p>
             <a:fld id="{B5000D9F-EBDC-4FCD-A2EA-0603E3C8FE66}" type="datetimeFigureOut">
               <a:rPr lang="ko-KR" altLang="en-US" smtClean="0"/>
-              <a:t>2019-10-31</a:t>
+              <a:t>2019-11-24</a:t>
             </a:fld>
             <a:endParaRPr lang="ko-KR" altLang="en-US"/>
           </a:p>
@@ -1379,7 +1377,7 @@
           <a:p>
             <a:fld id="{B5000D9F-EBDC-4FCD-A2EA-0603E3C8FE66}" type="datetimeFigureOut">
               <a:rPr lang="ko-KR" altLang="en-US" smtClean="0"/>
-              <a:t>2019-10-31</a:t>
+              <a:t>2019-11-24</a:t>
             </a:fld>
             <a:endParaRPr lang="ko-KR" altLang="en-US"/>
           </a:p>
@@ -1699,7 +1697,7 @@
           <a:p>
             <a:fld id="{B5000D9F-EBDC-4FCD-A2EA-0603E3C8FE66}" type="datetimeFigureOut">
               <a:rPr lang="ko-KR" altLang="en-US" smtClean="0"/>
-              <a:t>2019-10-31</a:t>
+              <a:t>2019-11-24</a:t>
             </a:fld>
             <a:endParaRPr lang="ko-KR" altLang="en-US"/>
           </a:p>
@@ -2095,7 +2093,7 @@
           <a:p>
             <a:fld id="{B5000D9F-EBDC-4FCD-A2EA-0603E3C8FE66}" type="datetimeFigureOut">
               <a:rPr lang="ko-KR" altLang="en-US" smtClean="0"/>
-              <a:t>2019-10-31</a:t>
+              <a:t>2019-11-24</a:t>
             </a:fld>
             <a:endParaRPr lang="ko-KR" altLang="en-US"/>
           </a:p>
@@ -2352,7 +2350,7 @@
           <a:p>
             <a:fld id="{B5000D9F-EBDC-4FCD-A2EA-0603E3C8FE66}" type="datetimeFigureOut">
               <a:rPr lang="ko-KR" altLang="en-US" smtClean="0"/>
-              <a:t>2019-10-31</a:t>
+              <a:t>2019-11-24</a:t>
             </a:fld>
             <a:endParaRPr lang="ko-KR" altLang="en-US"/>
           </a:p>
@@ -2614,7 +2612,7 @@
           <a:p>
             <a:fld id="{B5000D9F-EBDC-4FCD-A2EA-0603E3C8FE66}" type="datetimeFigureOut">
               <a:rPr lang="ko-KR" altLang="en-US" smtClean="0"/>
-              <a:t>2019-10-31</a:t>
+              <a:t>2019-11-24</a:t>
             </a:fld>
             <a:endParaRPr lang="ko-KR" altLang="en-US"/>
           </a:p>
@@ -2876,7 +2874,7 @@
           <a:p>
             <a:fld id="{B5000D9F-EBDC-4FCD-A2EA-0603E3C8FE66}" type="datetimeFigureOut">
               <a:rPr lang="ko-KR" altLang="en-US" smtClean="0"/>
-              <a:t>2019-10-31</a:t>
+              <a:t>2019-11-24</a:t>
             </a:fld>
             <a:endParaRPr lang="ko-KR" altLang="en-US"/>
           </a:p>
@@ -3205,7 +3203,7 @@
           <a:p>
             <a:fld id="{B5000D9F-EBDC-4FCD-A2EA-0603E3C8FE66}" type="datetimeFigureOut">
               <a:rPr lang="ko-KR" altLang="en-US" smtClean="0"/>
-              <a:t>2019-10-31</a:t>
+              <a:t>2019-11-24</a:t>
             </a:fld>
             <a:endParaRPr lang="ko-KR" altLang="en-US"/>
           </a:p>
@@ -3528,7 +3526,7 @@
           <a:p>
             <a:fld id="{B5000D9F-EBDC-4FCD-A2EA-0603E3C8FE66}" type="datetimeFigureOut">
               <a:rPr lang="ko-KR" altLang="en-US" smtClean="0"/>
-              <a:t>2019-10-31</a:t>
+              <a:t>2019-11-24</a:t>
             </a:fld>
             <a:endParaRPr lang="ko-KR" altLang="en-US"/>
           </a:p>
@@ -3985,7 +3983,7 @@
           <a:p>
             <a:fld id="{B5000D9F-EBDC-4FCD-A2EA-0603E3C8FE66}" type="datetimeFigureOut">
               <a:rPr lang="ko-KR" altLang="en-US" smtClean="0"/>
-              <a:t>2019-10-31</a:t>
+              <a:t>2019-11-24</a:t>
             </a:fld>
             <a:endParaRPr lang="ko-KR" altLang="en-US"/>
           </a:p>
@@ -4190,7 +4188,7 @@
           <a:p>
             <a:fld id="{B5000D9F-EBDC-4FCD-A2EA-0603E3C8FE66}" type="datetimeFigureOut">
               <a:rPr lang="ko-KR" altLang="en-US" smtClean="0"/>
-              <a:t>2019-10-31</a:t>
+              <a:t>2019-11-24</a:t>
             </a:fld>
             <a:endParaRPr lang="ko-KR" altLang="en-US"/>
           </a:p>
@@ -4367,7 +4365,7 @@
           <a:p>
             <a:fld id="{B5000D9F-EBDC-4FCD-A2EA-0603E3C8FE66}" type="datetimeFigureOut">
               <a:rPr lang="ko-KR" altLang="en-US" smtClean="0"/>
-              <a:t>2019-10-31</a:t>
+              <a:t>2019-11-24</a:t>
             </a:fld>
             <a:endParaRPr lang="ko-KR" altLang="en-US"/>
           </a:p>
@@ -4700,7 +4698,7 @@
           <a:p>
             <a:fld id="{B5000D9F-EBDC-4FCD-A2EA-0603E3C8FE66}" type="datetimeFigureOut">
               <a:rPr lang="ko-KR" altLang="en-US" smtClean="0"/>
-              <a:t>2019-10-31</a:t>
+              <a:t>2019-11-24</a:t>
             </a:fld>
             <a:endParaRPr lang="ko-KR" altLang="en-US"/>
           </a:p>
@@ -5045,7 +5043,7 @@
           <a:p>
             <a:fld id="{B5000D9F-EBDC-4FCD-A2EA-0603E3C8FE66}" type="datetimeFigureOut">
               <a:rPr lang="ko-KR" altLang="en-US" smtClean="0"/>
-              <a:t>2019-10-31</a:t>
+              <a:t>2019-11-24</a:t>
             </a:fld>
             <a:endParaRPr lang="ko-KR" altLang="en-US"/>
           </a:p>
@@ -7165,7 +7163,7 @@
           <a:p>
             <a:fld id="{B5000D9F-EBDC-4FCD-A2EA-0603E3C8FE66}" type="datetimeFigureOut">
               <a:rPr lang="ko-KR" altLang="en-US" smtClean="0"/>
-              <a:t>2019-10-31</a:t>
+              <a:t>2019-11-24</a:t>
             </a:fld>
             <a:endParaRPr lang="ko-KR" altLang="en-US"/>
           </a:p>
@@ -8072,7 +8070,7 @@
           <p:cNvPr id="2" name="화살표: 오각형 1">
             <a:extLst>
               <a:ext uri="{FF2B5EF4-FFF2-40B4-BE49-F238E27FC236}">
-                <a16:creationId xmlns:a16="http://schemas.microsoft.com/office/drawing/2014/main" id="{EC3E724C-311F-49A0-A66B-B528DE33C815}"/>
+                <a16:creationId xmlns:a16="http://schemas.microsoft.com/office/drawing/2014/main" id="{BDF1AE17-D789-42EF-90CD-B682B55F2C10}"/>
               </a:ext>
             </a:extLst>
           </p:cNvPr>
@@ -8118,414 +8116,6 @@
           <p:cNvPr id="3" name="제목 1">
             <a:extLst>
               <a:ext uri="{FF2B5EF4-FFF2-40B4-BE49-F238E27FC236}">
-                <a16:creationId xmlns:a16="http://schemas.microsoft.com/office/drawing/2014/main" id="{37FD2603-4BD7-4020-A224-049C714D6450}"/>
-              </a:ext>
-            </a:extLst>
-          </p:cNvPr>
-          <p:cNvSpPr>
-            <a:spLocks noGrp="1"/>
-          </p:cNvSpPr>
-          <p:nvPr>
-            <p:ph type="ctrTitle"/>
-          </p:nvPr>
-        </p:nvSpPr>
-        <p:spPr>
-          <a:xfrm>
-            <a:off x="1871514" y="517152"/>
-            <a:ext cx="2738193" cy="621085"/>
-          </a:xfrm>
-        </p:spPr>
-        <p:txBody>
-          <a:bodyPr>
-            <a:normAutofit/>
-          </a:bodyPr>
-          <a:lstStyle/>
-          <a:p>
-            <a:r>
-              <a:rPr lang="ko-KR" altLang="en-US" sz="3200" dirty="0">
-                <a:solidFill>
-                  <a:schemeClr val="bg1"/>
-                </a:solidFill>
-              </a:rPr>
-              <a:t>게임 컨셉</a:t>
-            </a:r>
-          </a:p>
-        </p:txBody>
-      </p:sp>
-      <p:sp>
-        <p:nvSpPr>
-          <p:cNvPr id="4" name="제목 1">
-            <a:extLst>
-              <a:ext uri="{FF2B5EF4-FFF2-40B4-BE49-F238E27FC236}">
-                <a16:creationId xmlns:a16="http://schemas.microsoft.com/office/drawing/2014/main" id="{59932FE4-2E4C-4178-96BF-E565F48F2704}"/>
-              </a:ext>
-            </a:extLst>
-          </p:cNvPr>
-          <p:cNvSpPr txBox="1">
-            <a:spLocks/>
-          </p:cNvSpPr>
-          <p:nvPr/>
-        </p:nvSpPr>
-        <p:spPr>
-          <a:xfrm>
-            <a:off x="1928074" y="2112687"/>
-            <a:ext cx="8168033" cy="3562249"/>
-          </a:xfrm>
-          <a:prstGeom prst="rect">
-            <a:avLst/>
-          </a:prstGeom>
-        </p:spPr>
-        <p:txBody>
-          <a:bodyPr vert="horz" lIns="91440" tIns="45720" rIns="91440" bIns="45720" rtlCol="0" anchor="b">
-            <a:normAutofit/>
-          </a:bodyPr>
-          <a:lstStyle>
-            <a:lvl1pPr algn="l" defTabSz="457200" rtl="0" eaLnBrk="1" latinLnBrk="1" hangingPunct="1">
-              <a:spcBef>
-                <a:spcPct val="0"/>
-              </a:spcBef>
-              <a:buNone/>
-              <a:defRPr sz="5400" kern="1200">
-                <a:solidFill>
-                  <a:schemeClr val="tx1">
-                    <a:lumMod val="85000"/>
-                    <a:lumOff val="15000"/>
-                  </a:schemeClr>
-                </a:solidFill>
-                <a:latin typeface="+mj-lt"/>
-                <a:ea typeface="+mj-ea"/>
-                <a:cs typeface="+mj-cs"/>
-              </a:defRPr>
-            </a:lvl1pPr>
-            <a:lvl2pPr eaLnBrk="1" latinLnBrk="1" hangingPunct="1">
-              <a:defRPr>
-                <a:solidFill>
-                  <a:schemeClr val="tx2"/>
-                </a:solidFill>
-              </a:defRPr>
-            </a:lvl2pPr>
-            <a:lvl3pPr eaLnBrk="1" latinLnBrk="1" hangingPunct="1">
-              <a:defRPr>
-                <a:solidFill>
-                  <a:schemeClr val="tx2"/>
-                </a:solidFill>
-              </a:defRPr>
-            </a:lvl3pPr>
-            <a:lvl4pPr eaLnBrk="1" latinLnBrk="1" hangingPunct="1">
-              <a:defRPr>
-                <a:solidFill>
-                  <a:schemeClr val="tx2"/>
-                </a:solidFill>
-              </a:defRPr>
-            </a:lvl4pPr>
-            <a:lvl5pPr eaLnBrk="1" latinLnBrk="1" hangingPunct="1">
-              <a:defRPr>
-                <a:solidFill>
-                  <a:schemeClr val="tx2"/>
-                </a:solidFill>
-              </a:defRPr>
-            </a:lvl5pPr>
-            <a:lvl6pPr eaLnBrk="1" latinLnBrk="1" hangingPunct="1">
-              <a:defRPr>
-                <a:solidFill>
-                  <a:schemeClr val="tx2"/>
-                </a:solidFill>
-              </a:defRPr>
-            </a:lvl6pPr>
-            <a:lvl7pPr eaLnBrk="1" latinLnBrk="1" hangingPunct="1">
-              <a:defRPr>
-                <a:solidFill>
-                  <a:schemeClr val="tx2"/>
-                </a:solidFill>
-              </a:defRPr>
-            </a:lvl7pPr>
-            <a:lvl8pPr eaLnBrk="1" latinLnBrk="1" hangingPunct="1">
-              <a:defRPr>
-                <a:solidFill>
-                  <a:schemeClr val="tx2"/>
-                </a:solidFill>
-              </a:defRPr>
-            </a:lvl8pPr>
-            <a:lvl9pPr eaLnBrk="1" latinLnBrk="1" hangingPunct="1">
-              <a:defRPr>
-                <a:solidFill>
-                  <a:schemeClr val="tx2"/>
-                </a:solidFill>
-              </a:defRPr>
-            </a:lvl9pPr>
-          </a:lstStyle>
-          <a:p>
-            <a:endParaRPr lang="ko-KR" altLang="en-US" sz="3200" dirty="0">
-              <a:solidFill>
-                <a:schemeClr val="bg1"/>
-              </a:solidFill>
-            </a:endParaRPr>
-          </a:p>
-        </p:txBody>
-      </p:sp>
-      <p:sp>
-        <p:nvSpPr>
-          <p:cNvPr id="5" name="부제목 2">
-            <a:extLst>
-              <a:ext uri="{FF2B5EF4-FFF2-40B4-BE49-F238E27FC236}">
-                <a16:creationId xmlns:a16="http://schemas.microsoft.com/office/drawing/2014/main" id="{D7F8CED0-5B46-42C2-800F-AB279E142C38}"/>
-              </a:ext>
-            </a:extLst>
-          </p:cNvPr>
-          <p:cNvSpPr>
-            <a:spLocks noGrp="1"/>
-          </p:cNvSpPr>
-          <p:nvPr>
-            <p:ph type="subTitle" idx="1"/>
-          </p:nvPr>
-        </p:nvSpPr>
-        <p:spPr>
-          <a:xfrm>
-            <a:off x="7172326" y="1595437"/>
-            <a:ext cx="4004130" cy="4433888"/>
-          </a:xfrm>
-          <a:solidFill>
-            <a:schemeClr val="tx1"/>
-          </a:solidFill>
-        </p:spPr>
-        <p:txBody>
-          <a:bodyPr>
-            <a:normAutofit/>
-          </a:bodyPr>
-          <a:lstStyle/>
-          <a:p>
-            <a:r>
-              <a:rPr lang="ko-KR" altLang="en-US" sz="2000" dirty="0">
-                <a:solidFill>
-                  <a:schemeClr val="bg1"/>
-                </a:solidFill>
-              </a:rPr>
-              <a:t>● 캐릭터를 좌우로 조종하여</a:t>
-            </a:r>
-            <a:endParaRPr lang="en-US" altLang="ko-KR" sz="2000" dirty="0">
-              <a:solidFill>
-                <a:schemeClr val="bg1"/>
-              </a:solidFill>
-            </a:endParaRPr>
-          </a:p>
-          <a:p>
-            <a:r>
-              <a:rPr lang="en-US" altLang="ko-KR" sz="2000" dirty="0">
-                <a:solidFill>
-                  <a:schemeClr val="bg1"/>
-                </a:solidFill>
-              </a:rPr>
-              <a:t>	</a:t>
-            </a:r>
-            <a:r>
-              <a:rPr lang="ko-KR" altLang="en-US" sz="2000" dirty="0">
-                <a:solidFill>
-                  <a:schemeClr val="bg1"/>
-                </a:solidFill>
-              </a:rPr>
-              <a:t>적을 쓰러트리며 전진하는</a:t>
-            </a:r>
-            <a:endParaRPr lang="en-US" altLang="ko-KR" sz="2000" dirty="0">
-              <a:solidFill>
-                <a:schemeClr val="bg1"/>
-              </a:solidFill>
-            </a:endParaRPr>
-          </a:p>
-          <a:p>
-            <a:r>
-              <a:rPr lang="en-US" altLang="ko-KR" sz="2000" dirty="0">
-                <a:solidFill>
-                  <a:schemeClr val="bg1"/>
-                </a:solidFill>
-              </a:rPr>
-              <a:t>	</a:t>
-            </a:r>
-            <a:r>
-              <a:rPr lang="ko-KR" altLang="en-US" sz="2000" dirty="0">
-                <a:solidFill>
-                  <a:schemeClr val="bg1"/>
-                </a:solidFill>
-              </a:rPr>
-              <a:t>탄막 슈팅 형식 게임</a:t>
-            </a:r>
-            <a:endParaRPr lang="en-US" altLang="ko-KR" sz="2000" dirty="0">
-              <a:solidFill>
-                <a:schemeClr val="bg1"/>
-              </a:solidFill>
-            </a:endParaRPr>
-          </a:p>
-          <a:p>
-            <a:endParaRPr lang="en-US" altLang="ko-KR" sz="2000" dirty="0">
-              <a:solidFill>
-                <a:schemeClr val="bg1"/>
-              </a:solidFill>
-            </a:endParaRPr>
-          </a:p>
-          <a:p>
-            <a:r>
-              <a:rPr lang="ko-KR" altLang="en-US" sz="2000" dirty="0">
-                <a:solidFill>
-                  <a:schemeClr val="bg1"/>
-                </a:solidFill>
-              </a:rPr>
-              <a:t>● 무한 허들 넘기에 가까운</a:t>
-            </a:r>
-            <a:endParaRPr lang="en-US" altLang="ko-KR" sz="2000" dirty="0">
-              <a:solidFill>
-                <a:schemeClr val="bg1"/>
-              </a:solidFill>
-            </a:endParaRPr>
-          </a:p>
-          <a:p>
-            <a:r>
-              <a:rPr lang="en-US" altLang="ko-KR" sz="2000" dirty="0">
-                <a:solidFill>
-                  <a:schemeClr val="bg1"/>
-                </a:solidFill>
-              </a:rPr>
-              <a:t>	</a:t>
-            </a:r>
-            <a:r>
-              <a:rPr lang="ko-KR" altLang="en-US" sz="2000" dirty="0" err="1">
-                <a:solidFill>
-                  <a:schemeClr val="bg1"/>
-                </a:solidFill>
-              </a:rPr>
-              <a:t>종스크롤</a:t>
-            </a:r>
-            <a:r>
-              <a:rPr lang="ko-KR" altLang="en-US" sz="2000" dirty="0">
-                <a:solidFill>
-                  <a:schemeClr val="bg1"/>
-                </a:solidFill>
-              </a:rPr>
-              <a:t> 러닝 액션게임</a:t>
-            </a:r>
-            <a:endParaRPr lang="en-US" altLang="ko-KR" sz="2000" dirty="0">
-              <a:solidFill>
-                <a:schemeClr val="bg1"/>
-              </a:solidFill>
-            </a:endParaRPr>
-          </a:p>
-        </p:txBody>
-      </p:sp>
-      <p:pic>
-        <p:nvPicPr>
-          <p:cNvPr id="7" name="그림 6">
-            <a:extLst>
-              <a:ext uri="{FF2B5EF4-FFF2-40B4-BE49-F238E27FC236}">
-                <a16:creationId xmlns:a16="http://schemas.microsoft.com/office/drawing/2014/main" id="{CF808356-33F5-4F3B-BC43-328CF3B8EFD0}"/>
-              </a:ext>
-            </a:extLst>
-          </p:cNvPr>
-          <p:cNvPicPr>
-            <a:picLocks noChangeAspect="1"/>
-          </p:cNvPicPr>
-          <p:nvPr/>
-        </p:nvPicPr>
-        <p:blipFill>
-          <a:blip r:embed="rId2">
-            <a:extLst>
-              <a:ext uri="{28A0092B-C50C-407E-A947-70E740481C1C}">
-                <a14:useLocalDpi xmlns:a14="http://schemas.microsoft.com/office/drawing/2010/main" val="0"/>
-              </a:ext>
-            </a:extLst>
-          </a:blip>
-          <a:stretch>
-            <a:fillRect/>
-          </a:stretch>
-        </p:blipFill>
-        <p:spPr>
-          <a:xfrm>
-            <a:off x="847725" y="1168773"/>
-            <a:ext cx="5810250" cy="5172075"/>
-          </a:xfrm>
-          <a:prstGeom prst="rect">
-            <a:avLst/>
-          </a:prstGeom>
-        </p:spPr>
-      </p:pic>
-    </p:spTree>
-    <p:extLst>
-      <p:ext uri="{BB962C8B-B14F-4D97-AF65-F5344CB8AC3E}">
-        <p14:creationId xmlns:p14="http://schemas.microsoft.com/office/powerpoint/2010/main" val="207416399"/>
-      </p:ext>
-    </p:extLst>
-  </p:cSld>
-  <p:clrMapOvr>
-    <a:masterClrMapping/>
-  </p:clrMapOvr>
-</p:sld>
-</file>
-
-<file path=ppt/slides/slide3.xml><?xml version="1.0" encoding="utf-8"?>
-<p:sld xmlns:a="http://schemas.openxmlformats.org/drawingml/2006/main" xmlns:r="http://schemas.openxmlformats.org/officeDocument/2006/relationships" xmlns:p="http://schemas.openxmlformats.org/presentationml/2006/main" showMasterSp="0">
-  <p:cSld>
-    <p:spTree>
-      <p:nvGrpSpPr>
-        <p:cNvPr id="1" name=""/>
-        <p:cNvGrpSpPr/>
-        <p:nvPr/>
-      </p:nvGrpSpPr>
-      <p:grpSpPr>
-        <a:xfrm>
-          <a:off x="0" y="0"/>
-          <a:ext cx="0" cy="0"/>
-          <a:chOff x="0" y="0"/>
-          <a:chExt cx="0" cy="0"/>
-        </a:xfrm>
-      </p:grpSpPr>
-      <p:sp>
-        <p:nvSpPr>
-          <p:cNvPr id="2" name="화살표: 오각형 1">
-            <a:extLst>
-              <a:ext uri="{FF2B5EF4-FFF2-40B4-BE49-F238E27FC236}">
-                <a16:creationId xmlns:a16="http://schemas.microsoft.com/office/drawing/2014/main" id="{BDF1AE17-D789-42EF-90CD-B682B55F2C10}"/>
-              </a:ext>
-            </a:extLst>
-          </p:cNvPr>
-          <p:cNvSpPr/>
-          <p:nvPr/>
-        </p:nvSpPr>
-        <p:spPr>
-          <a:xfrm>
-            <a:off x="657225" y="598115"/>
-            <a:ext cx="1019175" cy="459160"/>
-          </a:xfrm>
-          <a:prstGeom prst="homePlate">
-            <a:avLst/>
-          </a:prstGeom>
-        </p:spPr>
-        <p:style>
-          <a:lnRef idx="2">
-            <a:schemeClr val="accent1">
-              <a:shade val="50000"/>
-            </a:schemeClr>
-          </a:lnRef>
-          <a:fillRef idx="1">
-            <a:schemeClr val="accent1"/>
-          </a:fillRef>
-          <a:effectRef idx="0">
-            <a:schemeClr val="accent1"/>
-          </a:effectRef>
-          <a:fontRef idx="minor">
-            <a:schemeClr val="lt1"/>
-          </a:fontRef>
-        </p:style>
-        <p:txBody>
-          <a:bodyPr rtlCol="0" anchor="ctr"/>
-          <a:lstStyle/>
-          <a:p>
-            <a:pPr algn="ctr"/>
-            <a:endParaRPr lang="ko-KR" altLang="en-US"/>
-          </a:p>
-        </p:txBody>
-      </p:sp>
-      <p:sp>
-        <p:nvSpPr>
-          <p:cNvPr id="3" name="제목 1">
-            <a:extLst>
-              <a:ext uri="{FF2B5EF4-FFF2-40B4-BE49-F238E27FC236}">
                 <a16:creationId xmlns:a16="http://schemas.microsoft.com/office/drawing/2014/main" id="{0FE0F805-F944-43F9-8F0B-519A33549AD5}"/>
               </a:ext>
             </a:extLst>
@@ -8555,7 +8145,7 @@
                   <a:schemeClr val="bg1"/>
                 </a:solidFill>
               </a:rPr>
-              <a:t>개발 범위</a:t>
+              <a:t>개발 진척도</a:t>
             </a:r>
           </a:p>
         </p:txBody>
@@ -8575,14 +8165,14 @@
           <p:nvPr>
             <p:extLst>
               <p:ext uri="{D42A27DB-BD31-4B8C-83A1-F6EECF244321}">
-                <p14:modId xmlns:p14="http://schemas.microsoft.com/office/powerpoint/2010/main" val="576380781"/>
+                <p14:modId xmlns:p14="http://schemas.microsoft.com/office/powerpoint/2010/main" val="3433652530"/>
               </p:ext>
             </p:extLst>
           </p:nvPr>
         </p:nvGraphicFramePr>
         <p:xfrm>
           <a:off x="872503" y="1536569"/>
-          <a:ext cx="10581064" cy="4883370"/>
+          <a:ext cx="10581066" cy="4804280"/>
         </p:xfrm>
         <a:graphic>
           <a:graphicData uri="http://schemas.openxmlformats.org/drawingml/2006/table">
@@ -8598,14 +8188,131 @@
                     </a:ext>
                   </a:extLst>
                 </a:gridCol>
-                <a:gridCol w="8314441">
+                <a:gridCol w="3812090">
                   <a:extLst>
                     <a:ext uri="{9D8B030D-6E8A-4147-A177-3AD203B41FA5}">
                       <a16:colId xmlns:a16="http://schemas.microsoft.com/office/drawing/2014/main" val="1234894796"/>
                     </a:ext>
                   </a:extLst>
                 </a:gridCol>
+                <a:gridCol w="3320248">
+                  <a:extLst>
+                    <a:ext uri="{9D8B030D-6E8A-4147-A177-3AD203B41FA5}">
+                      <a16:colId xmlns:a16="http://schemas.microsoft.com/office/drawing/2014/main" val="1531016685"/>
+                    </a:ext>
+                  </a:extLst>
+                </a:gridCol>
+                <a:gridCol w="1182105">
+                  <a:extLst>
+                    <a:ext uri="{9D8B030D-6E8A-4147-A177-3AD203B41FA5}">
+                      <a16:colId xmlns:a16="http://schemas.microsoft.com/office/drawing/2014/main" val="1882953505"/>
+                    </a:ext>
+                  </a:extLst>
+                </a:gridCol>
               </a:tblGrid>
+              <a:tr h="600535">
+                <a:tc>
+                  <a:txBody>
+                    <a:bodyPr/>
+                    <a:lstStyle/>
+                    <a:p>
+                      <a:pPr algn="ctr" latinLnBrk="1"/>
+                      <a:r>
+                        <a:rPr lang="ko-KR" altLang="en-US" b="1" dirty="0">
+                          <a:solidFill>
+                            <a:schemeClr val="tx1"/>
+                          </a:solidFill>
+                        </a:rPr>
+                        <a:t>내용</a:t>
+                      </a:r>
+                    </a:p>
+                  </a:txBody>
+                  <a:tcPr anchor="ctr">
+                    <a:solidFill>
+                      <a:schemeClr val="bg2"/>
+                    </a:solidFill>
+                  </a:tcPr>
+                </a:tc>
+                <a:tc>
+                  <a:txBody>
+                    <a:bodyPr/>
+                    <a:lstStyle/>
+                    <a:p>
+                      <a:pPr algn="ctr" latinLnBrk="1"/>
+                      <a:r>
+                        <a:rPr lang="en-US" altLang="ko-KR" b="1" dirty="0">
+                          <a:solidFill>
+                            <a:schemeClr val="tx1"/>
+                          </a:solidFill>
+                        </a:rPr>
+                        <a:t>1</a:t>
+                      </a:r>
+                      <a:r>
+                        <a:rPr lang="ko-KR" altLang="en-US" b="1" dirty="0">
+                          <a:solidFill>
+                            <a:schemeClr val="tx1"/>
+                          </a:solidFill>
+                        </a:rPr>
+                        <a:t>차 발표 목표 범위</a:t>
+                      </a:r>
+                    </a:p>
+                  </a:txBody>
+                  <a:tcPr anchor="ctr">
+                    <a:solidFill>
+                      <a:schemeClr val="bg2"/>
+                    </a:solidFill>
+                  </a:tcPr>
+                </a:tc>
+                <a:tc>
+                  <a:txBody>
+                    <a:bodyPr/>
+                    <a:lstStyle/>
+                    <a:p>
+                      <a:pPr algn="ctr" latinLnBrk="1"/>
+                      <a:r>
+                        <a:rPr lang="ko-KR" altLang="en-US" b="1" dirty="0">
+                          <a:solidFill>
+                            <a:schemeClr val="tx1"/>
+                          </a:solidFill>
+                        </a:rPr>
+                        <a:t>실제 개발 완료 범위</a:t>
+                      </a:r>
+                    </a:p>
+                  </a:txBody>
+                  <a:tcPr anchor="ctr">
+                    <a:solidFill>
+                      <a:schemeClr val="bg2"/>
+                    </a:solidFill>
+                  </a:tcPr>
+                </a:tc>
+                <a:tc>
+                  <a:txBody>
+                    <a:bodyPr/>
+                    <a:lstStyle/>
+                    <a:p>
+                      <a:pPr algn="ctr" latinLnBrk="1"/>
+                      <a:r>
+                        <a:rPr lang="ko-KR" altLang="en-US" b="1" dirty="0">
+                          <a:solidFill>
+                            <a:schemeClr val="tx1"/>
+                          </a:solidFill>
+                        </a:rPr>
+                        <a:t>진척도</a:t>
+                      </a:r>
+                    </a:p>
+                  </a:txBody>
+                  <a:tcPr anchor="ctr">
+                    <a:solidFill>
+                      <a:schemeClr val="bg2"/>
+                    </a:solidFill>
+                  </a:tcPr>
+                </a:tc>
+                <a:extLst>
+                  <a:ext uri="{0D108BD9-81ED-4DB2-BD59-A6C34878D82A}">
+                    <a16:rowId xmlns:a16="http://schemas.microsoft.com/office/drawing/2014/main" val="1129839407"/>
+                  </a:ext>
+                </a:extLst>
+              </a:tr>
               <a:tr h="600535">
                 <a:tc>
                   <a:txBody>
@@ -8636,13 +8343,62 @@
                     <a:p>
                       <a:pPr algn="ctr" latinLnBrk="1"/>
                       <a:r>
-                        <a:rPr lang="ko-KR" altLang="en-US" b="0" dirty="0">
+                        <a:rPr lang="ko-KR" altLang="en-US" sz="1000" b="1" dirty="0">
                           <a:solidFill>
                             <a:schemeClr val="tx1"/>
                           </a:solidFill>
                         </a:rPr>
                         <a:t>키보드를 이용해 좌우 이동</a:t>
                       </a:r>
+                    </a:p>
+                  </a:txBody>
+                  <a:tcPr anchor="ctr">
+                    <a:solidFill>
+                      <a:schemeClr val="bg2"/>
+                    </a:solidFill>
+                  </a:tcPr>
+                </a:tc>
+                <a:tc>
+                  <a:txBody>
+                    <a:bodyPr/>
+                    <a:lstStyle/>
+                    <a:p>
+                      <a:pPr algn="ctr" latinLnBrk="1"/>
+                      <a:r>
+                        <a:rPr lang="ko-KR" altLang="en-US" sz="1000" b="1" dirty="0">
+                          <a:solidFill>
+                            <a:schemeClr val="tx1"/>
+                          </a:solidFill>
+                        </a:rPr>
+                        <a:t>좌우 이동</a:t>
+                      </a:r>
+                    </a:p>
+                  </a:txBody>
+                  <a:tcPr anchor="ctr">
+                    <a:solidFill>
+                      <a:schemeClr val="bg2"/>
+                    </a:solidFill>
+                  </a:tcPr>
+                </a:tc>
+                <a:tc>
+                  <a:txBody>
+                    <a:bodyPr/>
+                    <a:lstStyle/>
+                    <a:p>
+                      <a:pPr algn="ctr" latinLnBrk="1"/>
+                      <a:r>
+                        <a:rPr lang="en-US" altLang="ko-KR" sz="1000" b="1" dirty="0">
+                          <a:solidFill>
+                            <a:schemeClr val="tx1"/>
+                          </a:solidFill>
+                        </a:rPr>
+                        <a:t>100%</a:t>
+                      </a:r>
+                      <a:endParaRPr lang="ko-KR" altLang="en-US" sz="1000" b="1" dirty="0">
+                        <a:solidFill>
+                          <a:schemeClr val="tx1"/>
+                        </a:solidFill>
+                      </a:endParaRPr>
                     </a:p>
                   </a:txBody>
                   <a:tcPr anchor="ctr">
@@ -8687,7 +8443,7 @@
                     <a:p>
                       <a:pPr algn="ctr" latinLnBrk="1"/>
                       <a:r>
-                        <a:rPr lang="ko-KR" altLang="en-US" b="0" dirty="0">
+                        <a:rPr lang="ko-KR" altLang="en-US" sz="1000" b="1" dirty="0">
                           <a:solidFill>
                             <a:schemeClr val="tx1"/>
                           </a:solidFill>
@@ -8695,7 +8451,7 @@
                         <a:t>탄환으로 적 피격 시 적 체력 감소</a:t>
                       </a:r>
                       <a:r>
-                        <a:rPr lang="en-US" altLang="ko-KR" b="0" dirty="0">
+                        <a:rPr lang="en-US" altLang="ko-KR" sz="1000" b="1" dirty="0">
                           <a:solidFill>
                             <a:schemeClr val="tx1"/>
                           </a:solidFill>
@@ -8706,38 +8462,90 @@
                     <a:p>
                       <a:pPr algn="ctr" latinLnBrk="1"/>
                       <a:r>
-                        <a:rPr lang="ko-KR" altLang="en-US" b="0" dirty="0">
+                        <a:rPr lang="ko-KR" altLang="en-US" sz="1000" b="1" dirty="0">
                           <a:solidFill>
                             <a:schemeClr val="tx1"/>
                           </a:solidFill>
                         </a:rPr>
-                        <a:t>게임 중 나오는 아이템 획득 시 점수</a:t>
+                        <a:t>오래 비행할수록 점수 증가</a:t>
                       </a:r>
+                    </a:p>
+                  </a:txBody>
+                  <a:tcPr anchor="ctr">
+                    <a:solidFill>
+                      <a:schemeClr val="bg2"/>
+                    </a:solidFill>
+                  </a:tcPr>
+                </a:tc>
+                <a:tc>
+                  <a:txBody>
+                    <a:bodyPr/>
+                    <a:lstStyle/>
+                    <a:p>
+                      <a:pPr algn="ctr" latinLnBrk="1"/>
                       <a:r>
-                        <a:rPr lang="en-US" altLang="ko-KR" b="0" dirty="0">
+                        <a:rPr lang="ko-KR" altLang="en-US" sz="1000" b="1" dirty="0">
                           <a:solidFill>
                             <a:schemeClr val="tx1"/>
                           </a:solidFill>
                         </a:rPr>
-                        <a:t>+ </a:t>
+                        <a:t>탄환과 적 충돌체크 </a:t>
                       </a:r>
                       <a:r>
-                        <a:rPr lang="ko-KR" altLang="en-US" b="0" dirty="0">
+                        <a:rPr lang="en-US" altLang="ko-KR" sz="1000" b="1" dirty="0">
                           <a:solidFill>
                             <a:schemeClr val="tx1"/>
                           </a:solidFill>
                         </a:rPr>
-                        <a:t>또는 탄환속성변경</a:t>
+                        <a:t>x</a:t>
                       </a:r>
+                    </a:p>
+                    <a:p>
+                      <a:pPr algn="ctr" latinLnBrk="1"/>
                       <a:r>
-                        <a:rPr lang="en-US" altLang="ko-KR" b="0" dirty="0">
+                        <a:rPr lang="ko-KR" altLang="en-US" sz="1000" b="1" dirty="0">
                           <a:solidFill>
                             <a:schemeClr val="tx1"/>
                           </a:solidFill>
                         </a:rPr>
-                        <a:t> </a:t>
+                        <a:t>비행거리 </a:t>
                       </a:r>
-                      <a:endParaRPr lang="ko-KR" altLang="en-US" b="0" dirty="0">
+                      <a:r>
+                        <a:rPr lang="en-US" altLang="ko-KR" sz="1000" b="1" dirty="0">
+                          <a:solidFill>
+                            <a:schemeClr val="tx1"/>
+                          </a:solidFill>
+                        </a:rPr>
+                        <a:t>o</a:t>
+                      </a:r>
+                      <a:endParaRPr lang="ko-KR" altLang="en-US" sz="1000" b="1" dirty="0">
+                        <a:solidFill>
+                          <a:schemeClr val="tx1"/>
+                        </a:solidFill>
+                      </a:endParaRPr>
+                    </a:p>
+                  </a:txBody>
+                  <a:tcPr anchor="ctr">
+                    <a:solidFill>
+                      <a:schemeClr val="bg2"/>
+                    </a:solidFill>
+                  </a:tcPr>
+                </a:tc>
+                <a:tc>
+                  <a:txBody>
+                    <a:bodyPr/>
+                    <a:lstStyle/>
+                    <a:p>
+                      <a:pPr algn="ctr" latinLnBrk="1"/>
+                      <a:r>
+                        <a:rPr lang="en-US" altLang="ko-KR" sz="1000" b="1" dirty="0">
+                          <a:solidFill>
+                            <a:schemeClr val="tx1"/>
+                          </a:solidFill>
+                        </a:rPr>
+                        <a:t>50%</a:t>
+                      </a:r>
+                      <a:endParaRPr lang="ko-KR" altLang="en-US" sz="1000" b="1" dirty="0">
                         <a:solidFill>
                           <a:schemeClr val="tx1"/>
                         </a:solidFill>
@@ -8786,29 +8594,75 @@
                     <a:p>
                       <a:pPr algn="ctr" latinLnBrk="1"/>
                       <a:r>
-                        <a:rPr lang="ko-KR" altLang="en-US" b="0" dirty="0">
+                        <a:rPr lang="ko-KR" altLang="en-US" sz="1000" b="1" dirty="0">
                           <a:solidFill>
                             <a:schemeClr val="tx1"/>
                           </a:solidFill>
                         </a:rPr>
                         <a:t>탄환 자동 발사 시스템</a:t>
                       </a:r>
+                    </a:p>
+                  </a:txBody>
+                  <a:tcPr anchor="ctr">
+                    <a:solidFill>
+                      <a:schemeClr val="bg2"/>
+                    </a:solidFill>
+                  </a:tcPr>
+                </a:tc>
+                <a:tc>
+                  <a:txBody>
+                    <a:bodyPr/>
+                    <a:lstStyle/>
+                    <a:p>
+                      <a:pPr algn="ctr" latinLnBrk="1"/>
                       <a:r>
-                        <a:rPr lang="en-US" altLang="ko-KR" b="0" dirty="0">
+                        <a:rPr lang="ko-KR" altLang="en-US" sz="1000" b="1" dirty="0">
                           <a:solidFill>
                             <a:schemeClr val="tx1"/>
                           </a:solidFill>
                         </a:rPr>
-                        <a:t>, </a:t>
+                        <a:t>자동 발사 시스템 </a:t>
                       </a:r>
                       <a:r>
-                        <a:rPr lang="ko-KR" altLang="en-US" b="0" dirty="0">
+                        <a:rPr lang="en-US" altLang="ko-KR" sz="1000" b="1" dirty="0">
                           <a:solidFill>
                             <a:schemeClr val="tx1"/>
                           </a:solidFill>
                         </a:rPr>
-                        <a:t>캐릭터 속성에 따라 탄환의 타입이 변한다</a:t>
+                        <a:t>o</a:t>
                       </a:r>
+                      <a:endParaRPr lang="ko-KR" altLang="en-US" sz="1000" b="1" dirty="0">
+                        <a:solidFill>
+                          <a:schemeClr val="tx1"/>
+                        </a:solidFill>
+                      </a:endParaRPr>
+                    </a:p>
+                  </a:txBody>
+                  <a:tcPr anchor="ctr">
+                    <a:solidFill>
+                      <a:schemeClr val="bg2"/>
+                    </a:solidFill>
+                  </a:tcPr>
+                </a:tc>
+                <a:tc>
+                  <a:txBody>
+                    <a:bodyPr/>
+                    <a:lstStyle/>
+                    <a:p>
+                      <a:pPr algn="ctr" latinLnBrk="1"/>
+                      <a:r>
+                        <a:rPr lang="en-US" altLang="ko-KR" sz="1000" b="1" dirty="0">
+                          <a:solidFill>
+                            <a:schemeClr val="tx1"/>
+                          </a:solidFill>
+                        </a:rPr>
+                        <a:t>100%</a:t>
+                      </a:r>
+                      <a:endParaRPr lang="ko-KR" altLang="en-US" sz="1000" b="1" dirty="0">
+                        <a:solidFill>
+                          <a:schemeClr val="tx1"/>
+                        </a:solidFill>
+                      </a:endParaRPr>
                     </a:p>
                   </a:txBody>
                   <a:tcPr anchor="ctr">
@@ -8853,7 +8707,7 @@
                     <a:p>
                       <a:pPr algn="ctr" latinLnBrk="1"/>
                       <a:r>
-                        <a:rPr lang="en-US" altLang="ko-KR" b="0" dirty="0">
+                        <a:rPr lang="en-US" altLang="ko-KR" sz="1000" b="1" dirty="0">
                           <a:solidFill>
                             <a:schemeClr val="tx1"/>
                           </a:solidFill>
@@ -8861,7 +8715,7 @@
                         <a:t>4</a:t>
                       </a:r>
                       <a:r>
-                        <a:rPr lang="ko-KR" altLang="en-US" b="0" dirty="0">
+                        <a:rPr lang="ko-KR" altLang="en-US" sz="1000" b="1" dirty="0">
                           <a:solidFill>
                             <a:schemeClr val="tx1"/>
                           </a:solidFill>
@@ -8869,7 +8723,7 @@
                         <a:t>개의 스테이지가 있으며 스테이지 </a:t>
                       </a:r>
                       <a:r>
-                        <a:rPr lang="ko-KR" altLang="en-US" b="0" dirty="0" err="1">
+                        <a:rPr lang="ko-KR" altLang="en-US" sz="1000" b="1" dirty="0" err="1">
                           <a:solidFill>
                             <a:schemeClr val="tx1"/>
                           </a:solidFill>
@@ -8877,13 +8731,70 @@
                         <a:t>컨셉별로</a:t>
                       </a:r>
                       <a:r>
-                        <a:rPr lang="ko-KR" altLang="en-US" b="0" dirty="0">
+                        <a:rPr lang="ko-KR" altLang="en-US" sz="1000" b="1" dirty="0">
                           <a:solidFill>
                             <a:schemeClr val="tx1"/>
                           </a:solidFill>
                         </a:rPr>
                         <a:t> 나오는 적과 보스의 타입이 바뀐다</a:t>
                       </a:r>
+                    </a:p>
+                  </a:txBody>
+                  <a:tcPr anchor="ctr">
+                    <a:solidFill>
+                      <a:schemeClr val="bg2"/>
+                    </a:solidFill>
+                  </a:tcPr>
+                </a:tc>
+                <a:tc>
+                  <a:txBody>
+                    <a:bodyPr/>
+                    <a:lstStyle/>
+                    <a:p>
+                      <a:pPr algn="ctr" latinLnBrk="1"/>
+                      <a:r>
+                        <a:rPr lang="en-US" altLang="ko-KR" sz="1000" b="1" dirty="0">
+                          <a:solidFill>
+                            <a:schemeClr val="tx1"/>
+                          </a:solidFill>
+                        </a:rPr>
+                        <a:t>1</a:t>
+                      </a:r>
+                      <a:r>
+                        <a:rPr lang="ko-KR" altLang="en-US" sz="1000" b="1" dirty="0">
+                          <a:solidFill>
+                            <a:schemeClr val="tx1"/>
+                          </a:solidFill>
+                        </a:rPr>
+                        <a:t>개의 스테이지로 바꿈</a:t>
+                      </a:r>
+                    </a:p>
+                  </a:txBody>
+                  <a:tcPr anchor="ctr">
+                    <a:solidFill>
+                      <a:schemeClr val="bg2"/>
+                    </a:solidFill>
+                  </a:tcPr>
+                </a:tc>
+                <a:tc>
+                  <a:txBody>
+                    <a:bodyPr/>
+                    <a:lstStyle/>
+                    <a:p>
+                      <a:pPr algn="ctr" latinLnBrk="1"/>
+                      <a:r>
+                        <a:rPr lang="en-US" altLang="ko-KR" sz="1000" b="1" dirty="0">
+                          <a:solidFill>
+                            <a:schemeClr val="tx1"/>
+                          </a:solidFill>
+                        </a:rPr>
+                        <a:t>25%</a:t>
+                      </a:r>
+                      <a:endParaRPr lang="ko-KR" altLang="en-US" sz="1000" b="1" dirty="0">
+                        <a:solidFill>
+                          <a:schemeClr val="tx1"/>
+                        </a:solidFill>
+                      </a:endParaRPr>
                     </a:p>
                   </a:txBody>
                   <a:tcPr anchor="ctr">
@@ -8928,7 +8839,7 @@
                     <a:p>
                       <a:pPr algn="ctr" latinLnBrk="1"/>
                       <a:r>
-                        <a:rPr lang="ko-KR" altLang="en-US" b="0" dirty="0">
+                        <a:rPr lang="ko-KR" altLang="en-US" sz="1000" b="1" dirty="0">
                           <a:solidFill>
                             <a:schemeClr val="tx1"/>
                           </a:solidFill>
@@ -8936,7 +8847,7 @@
                         <a:t>사격 소리</a:t>
                       </a:r>
                       <a:r>
-                        <a:rPr lang="en-US" altLang="ko-KR" b="0" dirty="0">
+                        <a:rPr lang="en-US" altLang="ko-KR" sz="1000" b="1" dirty="0">
                           <a:solidFill>
                             <a:schemeClr val="tx1"/>
                           </a:solidFill>
@@ -8944,7 +8855,7 @@
                         <a:t>, </a:t>
                       </a:r>
                       <a:r>
-                        <a:rPr lang="ko-KR" altLang="en-US" b="0" dirty="0">
+                        <a:rPr lang="ko-KR" altLang="en-US" sz="1000" b="1" dirty="0">
                           <a:solidFill>
                             <a:schemeClr val="tx1"/>
                           </a:solidFill>
@@ -8952,7 +8863,7 @@
                         <a:t>적 제거 소리</a:t>
                       </a:r>
                       <a:r>
-                        <a:rPr lang="en-US" altLang="ko-KR" b="0" dirty="0">
+                        <a:rPr lang="en-US" altLang="ko-KR" sz="1000" b="1" dirty="0">
                           <a:solidFill>
                             <a:schemeClr val="tx1"/>
                           </a:solidFill>
@@ -8960,7 +8871,7 @@
                         <a:t>, </a:t>
                       </a:r>
                       <a:r>
-                        <a:rPr lang="ko-KR" altLang="en-US" b="0" dirty="0" err="1">
+                        <a:rPr lang="ko-KR" altLang="en-US" sz="1000" b="1" dirty="0" err="1">
                           <a:solidFill>
                             <a:schemeClr val="tx1"/>
                           </a:solidFill>
@@ -8968,7 +8879,7 @@
                         <a:t>보스전</a:t>
                       </a:r>
                       <a:r>
-                        <a:rPr lang="ko-KR" altLang="en-US" b="0" dirty="0">
+                        <a:rPr lang="ko-KR" altLang="en-US" sz="1000" b="1" dirty="0">
                           <a:solidFill>
                             <a:schemeClr val="tx1"/>
                           </a:solidFill>
@@ -8976,7 +8887,7 @@
                         <a:t> </a:t>
                       </a:r>
                       <a:r>
-                        <a:rPr lang="ko-KR" altLang="en-US" b="0" dirty="0" err="1">
+                        <a:rPr lang="ko-KR" altLang="en-US" sz="1000" b="1" dirty="0" err="1">
                           <a:solidFill>
                             <a:schemeClr val="tx1"/>
                           </a:solidFill>
@@ -8984,41 +8895,12 @@
                         <a:t>배경음</a:t>
                       </a:r>
                       <a:r>
-                        <a:rPr lang="ko-KR" altLang="en-US" b="0" dirty="0">
+                        <a:rPr lang="ko-KR" altLang="en-US" sz="1000" b="1" dirty="0">
                           <a:solidFill>
                             <a:schemeClr val="tx1"/>
                           </a:solidFill>
                         </a:rPr>
                         <a:t> 등등</a:t>
-                      </a:r>
-                    </a:p>
-                  </a:txBody>
-                  <a:tcPr anchor="ctr">
-                    <a:solidFill>
-                      <a:schemeClr val="bg2"/>
-                    </a:solidFill>
-                  </a:tcPr>
-                </a:tc>
-                <a:extLst>
-                  <a:ext uri="{0D108BD9-81ED-4DB2-BD59-A6C34878D82A}">
-                    <a16:rowId xmlns:a16="http://schemas.microsoft.com/office/drawing/2014/main" val="2685583885"/>
-                  </a:ext>
-                </a:extLst>
-              </a:tr>
-              <a:tr h="600535">
-                <a:tc>
-                  <a:txBody>
-                    <a:bodyPr/>
-                    <a:lstStyle/>
-                    <a:p>
-                      <a:pPr algn="ctr" latinLnBrk="1"/>
-                      <a:r>
-                        <a:rPr lang="ko-KR" altLang="en-US" b="1" dirty="0">
-                          <a:solidFill>
-                            <a:schemeClr val="tx1"/>
-                          </a:solidFill>
-                        </a:rPr>
-                        <a:t>애니메이션</a:t>
                       </a:r>
                     </a:p>
                   </a:txBody>
@@ -9035,29 +8917,40 @@
                     <a:p>
                       <a:pPr algn="ctr" latinLnBrk="1"/>
                       <a:r>
-                        <a:rPr lang="ko-KR" altLang="en-US" b="0" dirty="0">
+                        <a:rPr lang="ko-KR" altLang="en-US" sz="1000" b="1" dirty="0">
                           <a:solidFill>
                             <a:schemeClr val="tx1"/>
                           </a:solidFill>
                         </a:rPr>
-                        <a:t>플레이어 및 적 날아가는 모션</a:t>
+                        <a:t>구현 못함</a:t>
                       </a:r>
+                    </a:p>
+                  </a:txBody>
+                  <a:tcPr anchor="ctr">
+                    <a:solidFill>
+                      <a:schemeClr val="bg2"/>
+                    </a:solidFill>
+                  </a:tcPr>
+                </a:tc>
+                <a:tc>
+                  <a:txBody>
+                    <a:bodyPr/>
+                    <a:lstStyle/>
+                    <a:p>
+                      <a:pPr algn="ctr" latinLnBrk="1"/>
                       <a:r>
-                        <a:rPr lang="en-US" altLang="ko-KR" b="0" dirty="0">
+                        <a:rPr lang="en-US" altLang="ko-KR" sz="1000" b="1" dirty="0">
                           <a:solidFill>
                             <a:schemeClr val="tx1"/>
                           </a:solidFill>
                         </a:rPr>
-                        <a:t>, </a:t>
+                        <a:t>0%</a:t>
                       </a:r>
-                      <a:r>
-                        <a:rPr lang="ko-KR" altLang="en-US" b="0" dirty="0">
-                          <a:solidFill>
-                            <a:schemeClr val="tx1"/>
-                          </a:solidFill>
-                        </a:rPr>
-                        <a:t>사망 시 모션</a:t>
-                      </a:r>
+                      <a:endParaRPr lang="ko-KR" altLang="en-US" sz="1000" b="1" dirty="0">
+                        <a:solidFill>
+                          <a:schemeClr val="tx1"/>
+                        </a:solidFill>
+                      </a:endParaRPr>
                     </a:p>
                   </a:txBody>
                   <a:tcPr anchor="ctr">
@@ -9068,7 +8961,7 @@
                 </a:tc>
                 <a:extLst>
                   <a:ext uri="{0D108BD9-81ED-4DB2-BD59-A6C34878D82A}">
-                    <a16:rowId xmlns:a16="http://schemas.microsoft.com/office/drawing/2014/main" val="2109293002"/>
+                    <a16:rowId xmlns:a16="http://schemas.microsoft.com/office/drawing/2014/main" val="2685583885"/>
                   </a:ext>
                 </a:extLst>
               </a:tr>
@@ -9102,13 +8995,62 @@
                     <a:p>
                       <a:pPr algn="ctr" latinLnBrk="1"/>
                       <a:r>
-                        <a:rPr lang="ko-KR" altLang="en-US" b="0" dirty="0">
+                        <a:rPr lang="ko-KR" altLang="en-US" sz="1000" b="1" dirty="0">
                           <a:solidFill>
                             <a:schemeClr val="tx1"/>
                           </a:solidFill>
                         </a:rPr>
                         <a:t>캐릭터마다 공격 속성이 있으며 적을 처치하는데 영향을 준다</a:t>
                       </a:r>
+                    </a:p>
+                  </a:txBody>
+                  <a:tcPr anchor="ctr">
+                    <a:solidFill>
+                      <a:schemeClr val="bg2"/>
+                    </a:solidFill>
+                  </a:tcPr>
+                </a:tc>
+                <a:tc>
+                  <a:txBody>
+                    <a:bodyPr/>
+                    <a:lstStyle/>
+                    <a:p>
+                      <a:pPr algn="ctr" latinLnBrk="1"/>
+                      <a:r>
+                        <a:rPr lang="ko-KR" altLang="en-US" sz="1000" b="1" dirty="0">
+                          <a:solidFill>
+                            <a:schemeClr val="tx1"/>
+                          </a:solidFill>
+                        </a:rPr>
+                        <a:t>캐릭터를 하나로 바꿈</a:t>
+                      </a:r>
+                    </a:p>
+                  </a:txBody>
+                  <a:tcPr anchor="ctr">
+                    <a:solidFill>
+                      <a:schemeClr val="bg2"/>
+                    </a:solidFill>
+                  </a:tcPr>
+                </a:tc>
+                <a:tc>
+                  <a:txBody>
+                    <a:bodyPr/>
+                    <a:lstStyle/>
+                    <a:p>
+                      <a:pPr algn="ctr" latinLnBrk="1"/>
+                      <a:r>
+                        <a:rPr lang="en-US" altLang="ko-KR" sz="1000" b="1" dirty="0">
+                          <a:solidFill>
+                            <a:schemeClr val="tx1"/>
+                          </a:solidFill>
+                        </a:rPr>
+                        <a:t>50%</a:t>
+                      </a:r>
+                      <a:endParaRPr lang="ko-KR" altLang="en-US" sz="1000" b="1" dirty="0">
+                        <a:solidFill>
+                          <a:schemeClr val="tx1"/>
+                        </a:solidFill>
+                      </a:endParaRPr>
                     </a:p>
                   </a:txBody>
                   <a:tcPr anchor="ctr">
@@ -9153,13 +9095,94 @@
                     <a:p>
                       <a:pPr algn="ctr" latinLnBrk="1"/>
                       <a:r>
-                        <a:rPr lang="ko-KR" altLang="en-US" b="0" dirty="0">
+                        <a:rPr lang="ko-KR" altLang="en-US" sz="1000" b="1" dirty="0">
                           <a:solidFill>
                             <a:schemeClr val="tx1"/>
                           </a:solidFill>
                         </a:rPr>
                         <a:t>각 스테이지의 컨셉에 따라 보스와의 상성이 달라지며 탄환의 속성에 따라 보스와의 상성은 좋을 수도 나쁠 수도 있다</a:t>
                       </a:r>
+                    </a:p>
+                  </a:txBody>
+                  <a:tcPr anchor="ctr">
+                    <a:solidFill>
+                      <a:schemeClr val="bg2"/>
+                    </a:solidFill>
+                  </a:tcPr>
+                </a:tc>
+                <a:tc>
+                  <a:txBody>
+                    <a:bodyPr/>
+                    <a:lstStyle/>
+                    <a:p>
+                      <a:pPr algn="ctr" latinLnBrk="1"/>
+                      <a:r>
+                        <a:rPr lang="ko-KR" altLang="en-US" sz="1000" b="1" dirty="0">
+                          <a:solidFill>
+                            <a:schemeClr val="tx1"/>
+                          </a:solidFill>
+                        </a:rPr>
+                        <a:t>보스와 상성 </a:t>
+                      </a:r>
+                      <a:r>
+                        <a:rPr lang="en-US" altLang="ko-KR" sz="1000" b="1" dirty="0">
+                          <a:solidFill>
+                            <a:schemeClr val="tx1"/>
+                          </a:solidFill>
+                        </a:rPr>
+                        <a:t>-&gt; </a:t>
+                      </a:r>
+                      <a:r>
+                        <a:rPr lang="ko-KR" altLang="en-US" sz="1000" b="1" dirty="0">
+                          <a:solidFill>
+                            <a:schemeClr val="tx1"/>
+                          </a:solidFill>
+                        </a:rPr>
+                        <a:t>공격 패턴의 다양화</a:t>
+                      </a:r>
+                      <a:endParaRPr lang="en-US" altLang="ko-KR" sz="1000" b="1" dirty="0">
+                        <a:solidFill>
+                          <a:schemeClr val="tx1"/>
+                        </a:solidFill>
+                      </a:endParaRPr>
+                    </a:p>
+                    <a:p>
+                      <a:pPr algn="ctr" latinLnBrk="1"/>
+                      <a:r>
+                        <a:rPr lang="ko-KR" altLang="en-US" sz="1000" b="1" dirty="0">
+                          <a:solidFill>
+                            <a:schemeClr val="tx1"/>
+                          </a:solidFill>
+                        </a:rPr>
+                        <a:t>로 바꿈</a:t>
+                      </a:r>
+                    </a:p>
+                  </a:txBody>
+                  <a:tcPr anchor="ctr">
+                    <a:solidFill>
+                      <a:schemeClr val="bg2"/>
+                    </a:solidFill>
+                  </a:tcPr>
+                </a:tc>
+                <a:tc>
+                  <a:txBody>
+                    <a:bodyPr/>
+                    <a:lstStyle/>
+                    <a:p>
+                      <a:pPr algn="ctr" latinLnBrk="1"/>
+                      <a:r>
+                        <a:rPr lang="en-US" altLang="ko-KR" sz="1000" b="1" dirty="0">
+                          <a:solidFill>
+                            <a:schemeClr val="tx1"/>
+                          </a:solidFill>
+                        </a:rPr>
+                        <a:t>25%</a:t>
+                      </a:r>
+                      <a:endParaRPr lang="ko-KR" altLang="en-US" sz="1000" b="1" dirty="0">
+                        <a:solidFill>
+                          <a:schemeClr val="tx1"/>
+                        </a:solidFill>
+                      </a:endParaRPr>
                     </a:p>
                   </a:txBody>
                   <a:tcPr anchor="ctr">
@@ -9191,1283 +9214,7 @@
 </p:sld>
 </file>
 
-<file path=ppt/slides/slide4.xml><?xml version="1.0" encoding="utf-8"?>
-<p:sld xmlns:a="http://schemas.openxmlformats.org/drawingml/2006/main" xmlns:r="http://schemas.openxmlformats.org/officeDocument/2006/relationships" xmlns:p="http://schemas.openxmlformats.org/presentationml/2006/main" showMasterSp="0">
-  <p:cSld>
-    <p:spTree>
-      <p:nvGrpSpPr>
-        <p:cNvPr id="1" name=""/>
-        <p:cNvGrpSpPr/>
-        <p:nvPr/>
-      </p:nvGrpSpPr>
-      <p:grpSpPr>
-        <a:xfrm>
-          <a:off x="0" y="0"/>
-          <a:ext cx="0" cy="0"/>
-          <a:chOff x="0" y="0"/>
-          <a:chExt cx="0" cy="0"/>
-        </a:xfrm>
-      </p:grpSpPr>
-      <p:sp>
-        <p:nvSpPr>
-          <p:cNvPr id="2" name="화살표: 오각형 1">
-            <a:extLst>
-              <a:ext uri="{FF2B5EF4-FFF2-40B4-BE49-F238E27FC236}">
-                <a16:creationId xmlns:a16="http://schemas.microsoft.com/office/drawing/2014/main" id="{92F7BA0F-34F5-4B58-B4AA-267D3B0AAA6E}"/>
-              </a:ext>
-            </a:extLst>
-          </p:cNvPr>
-          <p:cNvSpPr/>
-          <p:nvPr/>
-        </p:nvSpPr>
-        <p:spPr>
-          <a:xfrm>
-            <a:off x="657225" y="598115"/>
-            <a:ext cx="1019175" cy="459160"/>
-          </a:xfrm>
-          <a:prstGeom prst="homePlate">
-            <a:avLst/>
-          </a:prstGeom>
-        </p:spPr>
-        <p:style>
-          <a:lnRef idx="2">
-            <a:schemeClr val="accent1">
-              <a:shade val="50000"/>
-            </a:schemeClr>
-          </a:lnRef>
-          <a:fillRef idx="1">
-            <a:schemeClr val="accent1"/>
-          </a:fillRef>
-          <a:effectRef idx="0">
-            <a:schemeClr val="accent1"/>
-          </a:effectRef>
-          <a:fontRef idx="minor">
-            <a:schemeClr val="lt1"/>
-          </a:fontRef>
-        </p:style>
-        <p:txBody>
-          <a:bodyPr rtlCol="0" anchor="ctr"/>
-          <a:lstStyle/>
-          <a:p>
-            <a:pPr algn="ctr"/>
-            <a:endParaRPr lang="ko-KR" altLang="en-US"/>
-          </a:p>
-        </p:txBody>
-      </p:sp>
-      <p:sp>
-        <p:nvSpPr>
-          <p:cNvPr id="3" name="제목 1">
-            <a:extLst>
-              <a:ext uri="{FF2B5EF4-FFF2-40B4-BE49-F238E27FC236}">
-                <a16:creationId xmlns:a16="http://schemas.microsoft.com/office/drawing/2014/main" id="{7A676D68-78FC-4998-933A-3062A175651E}"/>
-              </a:ext>
-            </a:extLst>
-          </p:cNvPr>
-          <p:cNvSpPr>
-            <a:spLocks noGrp="1"/>
-          </p:cNvSpPr>
-          <p:nvPr>
-            <p:ph type="ctrTitle"/>
-          </p:nvPr>
-        </p:nvSpPr>
-        <p:spPr>
-          <a:xfrm>
-            <a:off x="1871513" y="517152"/>
-            <a:ext cx="5151455" cy="621085"/>
-          </a:xfrm>
-        </p:spPr>
-        <p:txBody>
-          <a:bodyPr>
-            <a:normAutofit/>
-          </a:bodyPr>
-          <a:lstStyle/>
-          <a:p>
-            <a:r>
-              <a:rPr lang="ko-KR" altLang="en-US" sz="3200" dirty="0">
-                <a:solidFill>
-                  <a:schemeClr val="bg1"/>
-                </a:solidFill>
-              </a:rPr>
-              <a:t>개발 계획</a:t>
-            </a:r>
-          </a:p>
-        </p:txBody>
-      </p:sp>
-      <p:graphicFrame>
-        <p:nvGraphicFramePr>
-          <p:cNvPr id="4" name="표 4">
-            <a:extLst>
-              <a:ext uri="{FF2B5EF4-FFF2-40B4-BE49-F238E27FC236}">
-                <a16:creationId xmlns:a16="http://schemas.microsoft.com/office/drawing/2014/main" id="{A450E3A6-535D-4DF3-8AC7-59ACD0686C5F}"/>
-              </a:ext>
-            </a:extLst>
-          </p:cNvPr>
-          <p:cNvGraphicFramePr>
-            <a:graphicFrameLocks noGrp="1"/>
-          </p:cNvGraphicFramePr>
-          <p:nvPr>
-            <p:extLst>
-              <p:ext uri="{D42A27DB-BD31-4B8C-83A1-F6EECF244321}">
-                <p14:modId xmlns:p14="http://schemas.microsoft.com/office/powerpoint/2010/main" val="1461858419"/>
-              </p:ext>
-            </p:extLst>
-          </p:nvPr>
-        </p:nvGraphicFramePr>
-        <p:xfrm>
-          <a:off x="863077" y="1436103"/>
-          <a:ext cx="10703613" cy="5184666"/>
-        </p:xfrm>
-        <a:graphic>
-          <a:graphicData uri="http://schemas.openxmlformats.org/drawingml/2006/table">
-            <a:tbl>
-              <a:tblPr firstRow="1" bandRow="1">
-                <a:tableStyleId>{5C22544A-7EE6-4342-B048-85BDC9FD1C3A}</a:tableStyleId>
-              </a:tblPr>
-              <a:tblGrid>
-                <a:gridCol w="1012857">
-                  <a:extLst>
-                    <a:ext uri="{9D8B030D-6E8A-4147-A177-3AD203B41FA5}">
-                      <a16:colId xmlns:a16="http://schemas.microsoft.com/office/drawing/2014/main" val="2580975685"/>
-                    </a:ext>
-                  </a:extLst>
-                </a:gridCol>
-                <a:gridCol w="2469823">
-                  <a:extLst>
-                    <a:ext uri="{9D8B030D-6E8A-4147-A177-3AD203B41FA5}">
-                      <a16:colId xmlns:a16="http://schemas.microsoft.com/office/drawing/2014/main" val="1439352102"/>
-                    </a:ext>
-                  </a:extLst>
-                </a:gridCol>
-                <a:gridCol w="7220933">
-                  <a:extLst>
-                    <a:ext uri="{9D8B030D-6E8A-4147-A177-3AD203B41FA5}">
-                      <a16:colId xmlns:a16="http://schemas.microsoft.com/office/drawing/2014/main" val="2160112411"/>
-                    </a:ext>
-                  </a:extLst>
-                </a:gridCol>
-              </a:tblGrid>
-              <a:tr h="504954">
-                <a:tc>
-                  <a:txBody>
-                    <a:bodyPr/>
-                    <a:lstStyle/>
-                    <a:p>
-                      <a:pPr algn="ctr" latinLnBrk="1"/>
-                      <a:r>
-                        <a:rPr lang="en-US" altLang="ko-KR" b="1" dirty="0">
-                          <a:solidFill>
-                            <a:schemeClr val="tx1"/>
-                          </a:solidFill>
-                        </a:rPr>
-                        <a:t>1</a:t>
-                      </a:r>
-                      <a:r>
-                        <a:rPr lang="ko-KR" altLang="en-US" b="1" dirty="0">
-                          <a:solidFill>
-                            <a:schemeClr val="tx1"/>
-                          </a:solidFill>
-                        </a:rPr>
-                        <a:t>주차</a:t>
-                      </a:r>
-                    </a:p>
-                  </a:txBody>
-                  <a:tcPr anchor="ctr">
-                    <a:solidFill>
-                      <a:schemeClr val="bg2"/>
-                    </a:solidFill>
-                  </a:tcPr>
-                </a:tc>
-                <a:tc rowSpan="2">
-                  <a:txBody>
-                    <a:bodyPr/>
-                    <a:lstStyle/>
-                    <a:p>
-                      <a:pPr algn="ctr" latinLnBrk="1"/>
-                      <a:r>
-                        <a:rPr lang="ko-KR" altLang="en-US" b="1" dirty="0">
-                          <a:solidFill>
-                            <a:schemeClr val="tx1"/>
-                          </a:solidFill>
-                        </a:rPr>
-                        <a:t>컨셉 설계 및</a:t>
-                      </a:r>
-                      <a:endParaRPr lang="en-US" altLang="ko-KR" b="1" dirty="0">
-                        <a:solidFill>
-                          <a:schemeClr val="tx1"/>
-                        </a:solidFill>
-                      </a:endParaRPr>
-                    </a:p>
-                    <a:p>
-                      <a:pPr algn="ctr" latinLnBrk="1"/>
-                      <a:r>
-                        <a:rPr lang="ko-KR" altLang="en-US" b="1" dirty="0">
-                          <a:solidFill>
-                            <a:schemeClr val="tx1"/>
-                          </a:solidFill>
-                        </a:rPr>
-                        <a:t>기본 오브젝트 생성</a:t>
-                      </a:r>
-                      <a:endParaRPr lang="en-US" altLang="ko-KR" b="1" dirty="0">
-                        <a:solidFill>
-                          <a:schemeClr val="tx1"/>
-                        </a:solidFill>
-                      </a:endParaRPr>
-                    </a:p>
-                    <a:p>
-                      <a:pPr algn="ctr" latinLnBrk="1"/>
-                      <a:r>
-                        <a:rPr lang="en-US" altLang="ko-KR" b="1" dirty="0">
-                          <a:solidFill>
-                            <a:srgbClr val="FF0000"/>
-                          </a:solidFill>
-                        </a:rPr>
-                        <a:t>(70%)</a:t>
-                      </a:r>
-                      <a:endParaRPr lang="ko-KR" altLang="en-US" b="1" dirty="0">
-                        <a:solidFill>
-                          <a:srgbClr val="FF0000"/>
-                        </a:solidFill>
-                      </a:endParaRPr>
-                    </a:p>
-                  </a:txBody>
-                  <a:tcPr anchor="ctr">
-                    <a:solidFill>
-                      <a:schemeClr val="bg2"/>
-                    </a:solidFill>
-                  </a:tcPr>
-                </a:tc>
-                <a:tc rowSpan="2">
-                  <a:txBody>
-                    <a:bodyPr/>
-                    <a:lstStyle/>
-                    <a:p>
-                      <a:pPr algn="ctr" latinLnBrk="1"/>
-                      <a:r>
-                        <a:rPr lang="ko-KR" altLang="en-US" b="1" dirty="0">
-                          <a:solidFill>
-                            <a:schemeClr val="tx1"/>
-                          </a:solidFill>
-                        </a:rPr>
-                        <a:t>스테이지별 맵 구상</a:t>
-                      </a:r>
-                      <a:r>
-                        <a:rPr lang="en-US" altLang="ko-KR" b="1" dirty="0">
-                          <a:solidFill>
-                            <a:schemeClr val="tx1"/>
-                          </a:solidFill>
-                        </a:rPr>
-                        <a:t>, </a:t>
-                      </a:r>
-                      <a:r>
-                        <a:rPr lang="ko-KR" altLang="en-US" b="1" dirty="0">
-                          <a:solidFill>
-                            <a:schemeClr val="tx1"/>
-                          </a:solidFill>
-                        </a:rPr>
-                        <a:t>스테이지별 맵 배경 구상 </a:t>
-                      </a:r>
-                      <a:endParaRPr lang="en-US" altLang="ko-KR" b="1" dirty="0">
-                        <a:solidFill>
-                          <a:schemeClr val="tx1"/>
-                        </a:solidFill>
-                      </a:endParaRPr>
-                    </a:p>
-                    <a:p>
-                      <a:pPr algn="ctr" latinLnBrk="1"/>
-                      <a:r>
-                        <a:rPr lang="ko-KR" altLang="en-US" b="1" dirty="0">
-                          <a:solidFill>
-                            <a:schemeClr val="tx1"/>
-                          </a:solidFill>
-                        </a:rPr>
-                        <a:t>플레이어와 적군 오브젝트 생성</a:t>
-                      </a:r>
-                      <a:endParaRPr lang="en-US" altLang="ko-KR" b="1" dirty="0">
-                        <a:solidFill>
-                          <a:schemeClr val="tx1"/>
-                        </a:solidFill>
-                      </a:endParaRPr>
-                    </a:p>
-                  </a:txBody>
-                  <a:tcPr anchor="ctr">
-                    <a:solidFill>
-                      <a:schemeClr val="bg2"/>
-                    </a:solidFill>
-                  </a:tcPr>
-                </a:tc>
-                <a:extLst>
-                  <a:ext uri="{0D108BD9-81ED-4DB2-BD59-A6C34878D82A}">
-                    <a16:rowId xmlns:a16="http://schemas.microsoft.com/office/drawing/2014/main" val="47902780"/>
-                  </a:ext>
-                </a:extLst>
-              </a:tr>
-              <a:tr h="504954">
-                <a:tc>
-                  <a:txBody>
-                    <a:bodyPr/>
-                    <a:lstStyle/>
-                    <a:p>
-                      <a:pPr algn="ctr" latinLnBrk="1"/>
-                      <a:r>
-                        <a:rPr lang="en-US" altLang="ko-KR" b="1" dirty="0">
-                          <a:solidFill>
-                            <a:schemeClr val="tx1"/>
-                          </a:solidFill>
-                        </a:rPr>
-                        <a:t>2</a:t>
-                      </a:r>
-                      <a:r>
-                        <a:rPr lang="ko-KR" altLang="en-US" b="1" dirty="0">
-                          <a:solidFill>
-                            <a:schemeClr val="tx1"/>
-                          </a:solidFill>
-                        </a:rPr>
-                        <a:t>주차</a:t>
-                      </a:r>
-                    </a:p>
-                  </a:txBody>
-                  <a:tcPr anchor="ctr">
-                    <a:solidFill>
-                      <a:schemeClr val="bg2"/>
-                    </a:solidFill>
-                  </a:tcPr>
-                </a:tc>
-                <a:tc vMerge="1">
-                  <a:txBody>
-                    <a:bodyPr/>
-                    <a:lstStyle/>
-                    <a:p>
-                      <a:pPr algn="ctr" latinLnBrk="1"/>
-                      <a:endParaRPr lang="ko-KR" altLang="en-US" dirty="0">
-                        <a:solidFill>
-                          <a:schemeClr val="tx1"/>
-                        </a:solidFill>
-                      </a:endParaRPr>
-                    </a:p>
-                  </a:txBody>
-                  <a:tcPr anchor="ctr">
-                    <a:solidFill>
-                      <a:schemeClr val="bg2"/>
-                    </a:solidFill>
-                  </a:tcPr>
-                </a:tc>
-                <a:tc vMerge="1">
-                  <a:txBody>
-                    <a:bodyPr/>
-                    <a:lstStyle/>
-                    <a:p>
-                      <a:pPr algn="ctr" latinLnBrk="1"/>
-                      <a:endParaRPr lang="ko-KR" altLang="en-US" b="1" dirty="0">
-                        <a:solidFill>
-                          <a:schemeClr val="tx1"/>
-                        </a:solidFill>
-                      </a:endParaRPr>
-                    </a:p>
-                  </a:txBody>
-                  <a:tcPr anchor="ctr">
-                    <a:solidFill>
-                      <a:schemeClr val="bg2"/>
-                    </a:solidFill>
-                  </a:tcPr>
-                </a:tc>
-                <a:extLst>
-                  <a:ext uri="{0D108BD9-81ED-4DB2-BD59-A6C34878D82A}">
-                    <a16:rowId xmlns:a16="http://schemas.microsoft.com/office/drawing/2014/main" val="721585296"/>
-                  </a:ext>
-                </a:extLst>
-              </a:tr>
-              <a:tr h="504954">
-                <a:tc>
-                  <a:txBody>
-                    <a:bodyPr/>
-                    <a:lstStyle/>
-                    <a:p>
-                      <a:pPr algn="ctr" latinLnBrk="1"/>
-                      <a:r>
-                        <a:rPr lang="en-US" altLang="ko-KR" b="1" dirty="0">
-                          <a:solidFill>
-                            <a:schemeClr val="tx1"/>
-                          </a:solidFill>
-                        </a:rPr>
-                        <a:t>3</a:t>
-                      </a:r>
-                      <a:r>
-                        <a:rPr lang="ko-KR" altLang="en-US" b="1" dirty="0">
-                          <a:solidFill>
-                            <a:schemeClr val="tx1"/>
-                          </a:solidFill>
-                        </a:rPr>
-                        <a:t>주차</a:t>
-                      </a:r>
-                    </a:p>
-                  </a:txBody>
-                  <a:tcPr anchor="ctr">
-                    <a:solidFill>
-                      <a:schemeClr val="bg2"/>
-                    </a:solidFill>
-                  </a:tcPr>
-                </a:tc>
-                <a:tc>
-                  <a:txBody>
-                    <a:bodyPr/>
-                    <a:lstStyle/>
-                    <a:p>
-                      <a:pPr algn="ctr" latinLnBrk="1"/>
-                      <a:r>
-                        <a:rPr lang="ko-KR" altLang="en-US" b="1" dirty="0">
-                          <a:solidFill>
-                            <a:schemeClr val="tx1"/>
-                          </a:solidFill>
-                        </a:rPr>
-                        <a:t>캐릭터 이동 구현 </a:t>
-                      </a:r>
-                      <a:r>
-                        <a:rPr lang="en-US" altLang="ko-KR" b="1" dirty="0">
-                          <a:solidFill>
-                            <a:srgbClr val="FF0000"/>
-                          </a:solidFill>
-                        </a:rPr>
-                        <a:t>(100%)</a:t>
-                      </a:r>
-                    </a:p>
-                  </a:txBody>
-                  <a:tcPr anchor="ctr">
-                    <a:solidFill>
-                      <a:schemeClr val="bg2"/>
-                    </a:solidFill>
-                  </a:tcPr>
-                </a:tc>
-                <a:tc>
-                  <a:txBody>
-                    <a:bodyPr/>
-                    <a:lstStyle/>
-                    <a:p>
-                      <a:pPr algn="ctr" latinLnBrk="1"/>
-                      <a:r>
-                        <a:rPr lang="ko-KR" altLang="en-US" b="1" dirty="0">
-                          <a:solidFill>
-                            <a:schemeClr val="tx1"/>
-                          </a:solidFill>
-                        </a:rPr>
-                        <a:t>키보드를 이용한 플레이어 이동 구현</a:t>
-                      </a:r>
-                      <a:r>
-                        <a:rPr lang="en-US" altLang="ko-KR" b="1" dirty="0">
-                          <a:solidFill>
-                            <a:schemeClr val="tx1"/>
-                          </a:solidFill>
-                        </a:rPr>
-                        <a:t>, </a:t>
-                      </a:r>
-                      <a:r>
-                        <a:rPr lang="ko-KR" altLang="en-US" b="1" dirty="0">
-                          <a:solidFill>
-                            <a:schemeClr val="tx1"/>
-                          </a:solidFill>
-                        </a:rPr>
-                        <a:t>적 오브젝트 자동 이동 구현</a:t>
-                      </a:r>
-                    </a:p>
-                  </a:txBody>
-                  <a:tcPr anchor="ctr">
-                    <a:solidFill>
-                      <a:schemeClr val="bg2"/>
-                    </a:solidFill>
-                  </a:tcPr>
-                </a:tc>
-                <a:extLst>
-                  <a:ext uri="{0D108BD9-81ED-4DB2-BD59-A6C34878D82A}">
-                    <a16:rowId xmlns:a16="http://schemas.microsoft.com/office/drawing/2014/main" val="1688470264"/>
-                  </a:ext>
-                </a:extLst>
-              </a:tr>
-              <a:tr h="504954">
-                <a:tc>
-                  <a:txBody>
-                    <a:bodyPr/>
-                    <a:lstStyle/>
-                    <a:p>
-                      <a:pPr algn="ctr" latinLnBrk="1"/>
-                      <a:r>
-                        <a:rPr lang="en-US" altLang="ko-KR" b="1" dirty="0">
-                          <a:solidFill>
-                            <a:schemeClr val="tx1"/>
-                          </a:solidFill>
-                        </a:rPr>
-                        <a:t>4</a:t>
-                      </a:r>
-                      <a:r>
-                        <a:rPr lang="ko-KR" altLang="en-US" b="1" dirty="0">
-                          <a:solidFill>
-                            <a:schemeClr val="tx1"/>
-                          </a:solidFill>
-                        </a:rPr>
-                        <a:t>주차</a:t>
-                      </a:r>
-                    </a:p>
-                  </a:txBody>
-                  <a:tcPr anchor="ctr">
-                    <a:solidFill>
-                      <a:schemeClr val="bg2"/>
-                    </a:solidFill>
-                  </a:tcPr>
-                </a:tc>
-                <a:tc rowSpan="2">
-                  <a:txBody>
-                    <a:bodyPr/>
-                    <a:lstStyle/>
-                    <a:p>
-                      <a:pPr algn="ctr" latinLnBrk="1"/>
-                      <a:r>
-                        <a:rPr lang="ko-KR" altLang="en-US" b="1" dirty="0">
-                          <a:solidFill>
-                            <a:schemeClr val="tx1"/>
-                          </a:solidFill>
-                        </a:rPr>
-                        <a:t>속성 및 세부사항</a:t>
-                      </a:r>
-                      <a:endParaRPr lang="en-US" altLang="ko-KR" b="1" dirty="0">
-                        <a:solidFill>
-                          <a:schemeClr val="tx1"/>
-                        </a:solidFill>
-                      </a:endParaRPr>
-                    </a:p>
-                    <a:p>
-                      <a:pPr algn="ctr" latinLnBrk="1"/>
-                      <a:r>
-                        <a:rPr lang="en-US" altLang="ko-KR" b="1" dirty="0">
-                          <a:solidFill>
-                            <a:srgbClr val="FF0000"/>
-                          </a:solidFill>
-                        </a:rPr>
-                        <a:t>(20%)</a:t>
-                      </a:r>
-                      <a:r>
-                        <a:rPr lang="ko-KR" altLang="en-US" b="1" dirty="0">
-                          <a:solidFill>
-                            <a:srgbClr val="FF0000"/>
-                          </a:solidFill>
-                        </a:rPr>
-                        <a:t> </a:t>
-                      </a:r>
-                    </a:p>
-                  </a:txBody>
-                  <a:tcPr anchor="ctr">
-                    <a:solidFill>
-                      <a:schemeClr val="bg2"/>
-                    </a:solidFill>
-                  </a:tcPr>
-                </a:tc>
-                <a:tc rowSpan="2">
-                  <a:txBody>
-                    <a:bodyPr/>
-                    <a:lstStyle/>
-                    <a:p>
-                      <a:pPr algn="ctr" latinLnBrk="1"/>
-                      <a:r>
-                        <a:rPr lang="ko-KR" altLang="en-US" b="1" dirty="0">
-                          <a:solidFill>
-                            <a:schemeClr val="tx1"/>
-                          </a:solidFill>
-                        </a:rPr>
-                        <a:t>여러 속성을 가진 캐릭터 만들기</a:t>
-                      </a:r>
-                      <a:endParaRPr lang="en-US" altLang="ko-KR" b="1" dirty="0">
-                        <a:solidFill>
-                          <a:schemeClr val="tx1"/>
-                        </a:solidFill>
-                      </a:endParaRPr>
-                    </a:p>
-                    <a:p>
-                      <a:pPr algn="ctr" latinLnBrk="1"/>
-                      <a:r>
-                        <a:rPr lang="en-US" altLang="ko-KR" b="1" dirty="0">
-                          <a:solidFill>
-                            <a:schemeClr val="tx1"/>
-                          </a:solidFill>
-                        </a:rPr>
-                        <a:t>4</a:t>
-                      </a:r>
-                      <a:r>
-                        <a:rPr lang="ko-KR" altLang="en-US" b="1" dirty="0">
-                          <a:solidFill>
-                            <a:schemeClr val="tx1"/>
-                          </a:solidFill>
-                        </a:rPr>
-                        <a:t>개의 탄환 속성을 이용한 상성 시스템 구현</a:t>
-                      </a:r>
-                      <a:endParaRPr lang="en-US" altLang="ko-KR" b="1" dirty="0">
-                        <a:solidFill>
-                          <a:schemeClr val="tx1"/>
-                        </a:solidFill>
-                      </a:endParaRPr>
-                    </a:p>
-                    <a:p>
-                      <a:pPr algn="ctr" latinLnBrk="1"/>
-                      <a:r>
-                        <a:rPr lang="ko-KR" altLang="en-US" b="1" dirty="0">
-                          <a:solidFill>
-                            <a:schemeClr val="tx1"/>
-                          </a:solidFill>
-                        </a:rPr>
-                        <a:t>탄환 발사</a:t>
-                      </a:r>
-                      <a:r>
-                        <a:rPr lang="en-US" altLang="ko-KR" b="1" dirty="0">
-                          <a:solidFill>
-                            <a:schemeClr val="tx1"/>
-                          </a:solidFill>
-                        </a:rPr>
-                        <a:t>, </a:t>
-                      </a:r>
-                      <a:r>
-                        <a:rPr lang="ko-KR" altLang="en-US" b="1" dirty="0">
-                          <a:solidFill>
-                            <a:schemeClr val="tx1"/>
-                          </a:solidFill>
-                        </a:rPr>
-                        <a:t>맞았을 시 데미지</a:t>
-                      </a:r>
-                    </a:p>
-                  </a:txBody>
-                  <a:tcPr anchor="ctr">
-                    <a:solidFill>
-                      <a:schemeClr val="bg2"/>
-                    </a:solidFill>
-                  </a:tcPr>
-                </a:tc>
-                <a:extLst>
-                  <a:ext uri="{0D108BD9-81ED-4DB2-BD59-A6C34878D82A}">
-                    <a16:rowId xmlns:a16="http://schemas.microsoft.com/office/drawing/2014/main" val="3755262057"/>
-                  </a:ext>
-                </a:extLst>
-              </a:tr>
-              <a:tr h="504954">
-                <a:tc>
-                  <a:txBody>
-                    <a:bodyPr/>
-                    <a:lstStyle/>
-                    <a:p>
-                      <a:pPr algn="ctr" latinLnBrk="1"/>
-                      <a:r>
-                        <a:rPr lang="en-US" altLang="ko-KR" b="1" dirty="0">
-                          <a:solidFill>
-                            <a:schemeClr val="tx1"/>
-                          </a:solidFill>
-                        </a:rPr>
-                        <a:t>5</a:t>
-                      </a:r>
-                      <a:r>
-                        <a:rPr lang="ko-KR" altLang="en-US" b="1" dirty="0">
-                          <a:solidFill>
-                            <a:schemeClr val="tx1"/>
-                          </a:solidFill>
-                        </a:rPr>
-                        <a:t>주차</a:t>
-                      </a:r>
-                    </a:p>
-                  </a:txBody>
-                  <a:tcPr anchor="ctr">
-                    <a:solidFill>
-                      <a:schemeClr val="bg2"/>
-                    </a:solidFill>
-                  </a:tcPr>
-                </a:tc>
-                <a:tc vMerge="1">
-                  <a:txBody>
-                    <a:bodyPr/>
-                    <a:lstStyle/>
-                    <a:p>
-                      <a:endParaRPr lang="ko-KR" altLang="en-US" dirty="0"/>
-                    </a:p>
-                  </a:txBody>
-                  <a:tcPr anchor="ctr">
-                    <a:solidFill>
-                      <a:schemeClr val="bg2"/>
-                    </a:solidFill>
-                  </a:tcPr>
-                </a:tc>
-                <a:tc vMerge="1">
-                  <a:txBody>
-                    <a:bodyPr/>
-                    <a:lstStyle/>
-                    <a:p>
-                      <a:pPr algn="ctr" latinLnBrk="1"/>
-                      <a:endParaRPr lang="ko-KR" altLang="en-US" b="1" dirty="0">
-                        <a:solidFill>
-                          <a:schemeClr val="tx1"/>
-                        </a:solidFill>
-                      </a:endParaRPr>
-                    </a:p>
-                  </a:txBody>
-                  <a:tcPr anchor="ctr">
-                    <a:solidFill>
-                      <a:schemeClr val="bg2"/>
-                    </a:solidFill>
-                  </a:tcPr>
-                </a:tc>
-                <a:extLst>
-                  <a:ext uri="{0D108BD9-81ED-4DB2-BD59-A6C34878D82A}">
-                    <a16:rowId xmlns:a16="http://schemas.microsoft.com/office/drawing/2014/main" val="2244140568"/>
-                  </a:ext>
-                </a:extLst>
-              </a:tr>
-              <a:tr h="504954">
-                <a:tc>
-                  <a:txBody>
-                    <a:bodyPr/>
-                    <a:lstStyle/>
-                    <a:p>
-                      <a:pPr algn="ctr" latinLnBrk="1"/>
-                      <a:r>
-                        <a:rPr lang="en-US" altLang="ko-KR" b="1" dirty="0">
-                          <a:solidFill>
-                            <a:schemeClr val="tx1"/>
-                          </a:solidFill>
-                        </a:rPr>
-                        <a:t>6</a:t>
-                      </a:r>
-                      <a:r>
-                        <a:rPr lang="ko-KR" altLang="en-US" b="1" dirty="0">
-                          <a:solidFill>
-                            <a:schemeClr val="tx1"/>
-                          </a:solidFill>
-                        </a:rPr>
-                        <a:t>주차</a:t>
-                      </a:r>
-                    </a:p>
-                  </a:txBody>
-                  <a:tcPr anchor="ctr">
-                    <a:solidFill>
-                      <a:schemeClr val="bg2"/>
-                    </a:solidFill>
-                  </a:tcPr>
-                </a:tc>
-                <a:tc>
-                  <a:txBody>
-                    <a:bodyPr/>
-                    <a:lstStyle/>
-                    <a:p>
-                      <a:pPr algn="ctr" latinLnBrk="1"/>
-                      <a:r>
-                        <a:rPr lang="ko-KR" altLang="en-US" b="1" dirty="0">
-                          <a:solidFill>
-                            <a:schemeClr val="tx1"/>
-                          </a:solidFill>
-                        </a:rPr>
-                        <a:t>게임 </a:t>
-                      </a:r>
-                      <a:r>
-                        <a:rPr lang="ko-KR" altLang="en-US" b="1" dirty="0" err="1">
-                          <a:solidFill>
-                            <a:schemeClr val="tx1"/>
-                          </a:solidFill>
-                        </a:rPr>
-                        <a:t>동작시키기</a:t>
-                      </a:r>
-                      <a:endParaRPr lang="ko-KR" altLang="en-US" b="1" dirty="0">
-                        <a:solidFill>
-                          <a:schemeClr val="tx1"/>
-                        </a:solidFill>
-                      </a:endParaRPr>
-                    </a:p>
-                  </a:txBody>
-                  <a:tcPr anchor="ctr">
-                    <a:solidFill>
-                      <a:schemeClr val="bg2"/>
-                    </a:solidFill>
-                  </a:tcPr>
-                </a:tc>
-                <a:tc>
-                  <a:txBody>
-                    <a:bodyPr/>
-                    <a:lstStyle/>
-                    <a:p>
-                      <a:pPr algn="ctr" latinLnBrk="1"/>
-                      <a:r>
-                        <a:rPr lang="ko-KR" altLang="en-US" b="1" dirty="0">
-                          <a:solidFill>
-                            <a:schemeClr val="tx1"/>
-                          </a:solidFill>
-                        </a:rPr>
-                        <a:t>탄환과 적 오브젝트의 충돌체크</a:t>
-                      </a:r>
-                      <a:r>
-                        <a:rPr lang="en-US" altLang="ko-KR" b="1" dirty="0">
-                          <a:solidFill>
-                            <a:schemeClr val="tx1"/>
-                          </a:solidFill>
-                        </a:rPr>
-                        <a:t>, </a:t>
-                      </a:r>
-                      <a:r>
-                        <a:rPr lang="ko-KR" altLang="en-US" b="1" dirty="0">
-                          <a:solidFill>
-                            <a:schemeClr val="tx1"/>
-                          </a:solidFill>
-                        </a:rPr>
-                        <a:t>죽었으면 사라지게 구현</a:t>
-                      </a:r>
-                    </a:p>
-                  </a:txBody>
-                  <a:tcPr anchor="ctr">
-                    <a:solidFill>
-                      <a:schemeClr val="bg2"/>
-                    </a:solidFill>
-                  </a:tcPr>
-                </a:tc>
-                <a:extLst>
-                  <a:ext uri="{0D108BD9-81ED-4DB2-BD59-A6C34878D82A}">
-                    <a16:rowId xmlns:a16="http://schemas.microsoft.com/office/drawing/2014/main" val="4130872035"/>
-                  </a:ext>
-                </a:extLst>
-              </a:tr>
-              <a:tr h="504954">
-                <a:tc>
-                  <a:txBody>
-                    <a:bodyPr/>
-                    <a:lstStyle/>
-                    <a:p>
-                      <a:pPr algn="ctr" latinLnBrk="1"/>
-                      <a:r>
-                        <a:rPr lang="en-US" altLang="ko-KR" b="1" dirty="0">
-                          <a:solidFill>
-                            <a:schemeClr val="tx1"/>
-                          </a:solidFill>
-                        </a:rPr>
-                        <a:t>7</a:t>
-                      </a:r>
-                      <a:r>
-                        <a:rPr lang="ko-KR" altLang="en-US" b="1" dirty="0">
-                          <a:solidFill>
-                            <a:schemeClr val="tx1"/>
-                          </a:solidFill>
-                        </a:rPr>
-                        <a:t>주차</a:t>
-                      </a:r>
-                    </a:p>
-                  </a:txBody>
-                  <a:tcPr anchor="ctr">
-                    <a:solidFill>
-                      <a:schemeClr val="bg2"/>
-                    </a:solidFill>
-                  </a:tcPr>
-                </a:tc>
-                <a:tc>
-                  <a:txBody>
-                    <a:bodyPr/>
-                    <a:lstStyle/>
-                    <a:p>
-                      <a:pPr algn="ctr" latinLnBrk="1"/>
-                      <a:r>
-                        <a:rPr lang="en-US" altLang="ko-KR" b="1" dirty="0">
-                          <a:solidFill>
-                            <a:schemeClr val="tx1"/>
-                          </a:solidFill>
-                        </a:rPr>
-                        <a:t>UI</a:t>
-                      </a:r>
-                      <a:r>
-                        <a:rPr lang="ko-KR" altLang="en-US" b="1" dirty="0">
-                          <a:solidFill>
-                            <a:schemeClr val="tx1"/>
-                          </a:solidFill>
-                        </a:rPr>
-                        <a:t>만들기 및 중간점검</a:t>
-                      </a:r>
-                    </a:p>
-                  </a:txBody>
-                  <a:tcPr anchor="ctr">
-                    <a:solidFill>
-                      <a:schemeClr val="bg2"/>
-                    </a:solidFill>
-                  </a:tcPr>
-                </a:tc>
-                <a:tc>
-                  <a:txBody>
-                    <a:bodyPr/>
-                    <a:lstStyle/>
-                    <a:p>
-                      <a:pPr algn="ctr" latinLnBrk="1"/>
-                      <a:r>
-                        <a:rPr lang="ko-KR" altLang="en-US" b="1" dirty="0">
-                          <a:solidFill>
-                            <a:schemeClr val="tx1"/>
-                          </a:solidFill>
-                        </a:rPr>
-                        <a:t>일시정지</a:t>
-                      </a:r>
-                      <a:r>
-                        <a:rPr lang="en-US" altLang="ko-KR" b="1" dirty="0">
-                          <a:solidFill>
-                            <a:schemeClr val="tx1"/>
-                          </a:solidFill>
-                        </a:rPr>
-                        <a:t>, </a:t>
-                      </a:r>
-                      <a:r>
-                        <a:rPr lang="ko-KR" altLang="en-US" b="1" dirty="0">
-                          <a:solidFill>
-                            <a:schemeClr val="tx1"/>
-                          </a:solidFill>
-                        </a:rPr>
-                        <a:t>점수</a:t>
-                      </a:r>
-                      <a:r>
-                        <a:rPr lang="en-US" altLang="ko-KR" b="1" dirty="0">
-                          <a:solidFill>
-                            <a:schemeClr val="tx1"/>
-                          </a:solidFill>
-                        </a:rPr>
-                        <a:t>, </a:t>
-                      </a:r>
-                      <a:r>
-                        <a:rPr lang="ko-KR" altLang="en-US" b="1" dirty="0">
-                          <a:solidFill>
-                            <a:schemeClr val="tx1"/>
-                          </a:solidFill>
-                        </a:rPr>
-                        <a:t>비행거리 등 </a:t>
-                      </a:r>
-                      <a:r>
-                        <a:rPr lang="en-US" altLang="ko-KR" b="1" dirty="0">
-                          <a:solidFill>
-                            <a:schemeClr val="tx1"/>
-                          </a:solidFill>
-                        </a:rPr>
-                        <a:t>UI</a:t>
-                      </a:r>
-                      <a:r>
-                        <a:rPr lang="ko-KR" altLang="en-US" b="1" dirty="0">
-                          <a:solidFill>
-                            <a:schemeClr val="tx1"/>
-                          </a:solidFill>
-                        </a:rPr>
-                        <a:t>생성</a:t>
-                      </a:r>
-                      <a:r>
-                        <a:rPr lang="en-US" altLang="ko-KR" b="1" dirty="0">
-                          <a:solidFill>
-                            <a:schemeClr val="tx1"/>
-                          </a:solidFill>
-                        </a:rPr>
-                        <a:t>, </a:t>
-                      </a:r>
-                      <a:r>
-                        <a:rPr lang="ko-KR" altLang="en-US" b="1" dirty="0">
-                          <a:solidFill>
-                            <a:schemeClr val="tx1"/>
-                          </a:solidFill>
-                        </a:rPr>
-                        <a:t>중간점검</a:t>
-                      </a:r>
-                    </a:p>
-                  </a:txBody>
-                  <a:tcPr anchor="ctr">
-                    <a:solidFill>
-                      <a:schemeClr val="bg2"/>
-                    </a:solidFill>
-                  </a:tcPr>
-                </a:tc>
-                <a:extLst>
-                  <a:ext uri="{0D108BD9-81ED-4DB2-BD59-A6C34878D82A}">
-                    <a16:rowId xmlns:a16="http://schemas.microsoft.com/office/drawing/2014/main" val="52386189"/>
-                  </a:ext>
-                </a:extLst>
-              </a:tr>
-              <a:tr h="504954">
-                <a:tc>
-                  <a:txBody>
-                    <a:bodyPr/>
-                    <a:lstStyle/>
-                    <a:p>
-                      <a:pPr algn="ctr" latinLnBrk="1"/>
-                      <a:r>
-                        <a:rPr lang="en-US" altLang="ko-KR" b="1" dirty="0">
-                          <a:solidFill>
-                            <a:schemeClr val="tx1"/>
-                          </a:solidFill>
-                        </a:rPr>
-                        <a:t>8</a:t>
-                      </a:r>
-                      <a:r>
-                        <a:rPr lang="ko-KR" altLang="en-US" b="1" dirty="0">
-                          <a:solidFill>
-                            <a:schemeClr val="tx1"/>
-                          </a:solidFill>
-                        </a:rPr>
-                        <a:t>주차</a:t>
-                      </a:r>
-                    </a:p>
-                  </a:txBody>
-                  <a:tcPr anchor="ctr">
-                    <a:solidFill>
-                      <a:schemeClr val="bg2"/>
-                    </a:solidFill>
-                  </a:tcPr>
-                </a:tc>
-                <a:tc>
-                  <a:txBody>
-                    <a:bodyPr/>
-                    <a:lstStyle/>
-                    <a:p>
-                      <a:pPr algn="ctr" latinLnBrk="1"/>
-                      <a:r>
-                        <a:rPr lang="ko-KR" altLang="en-US" b="1" dirty="0">
-                          <a:solidFill>
-                            <a:schemeClr val="tx1"/>
-                          </a:solidFill>
-                        </a:rPr>
-                        <a:t>사운드 및 애니메이션</a:t>
-                      </a:r>
-                    </a:p>
-                  </a:txBody>
-                  <a:tcPr anchor="ctr">
-                    <a:solidFill>
-                      <a:schemeClr val="bg2"/>
-                    </a:solidFill>
-                  </a:tcPr>
-                </a:tc>
-                <a:tc>
-                  <a:txBody>
-                    <a:bodyPr/>
-                    <a:lstStyle/>
-                    <a:p>
-                      <a:pPr algn="ctr" latinLnBrk="1"/>
-                      <a:r>
-                        <a:rPr lang="ko-KR" altLang="en-US" b="1" dirty="0">
-                          <a:solidFill>
-                            <a:schemeClr val="tx1"/>
-                          </a:solidFill>
-                        </a:rPr>
-                        <a:t>일반 맵 </a:t>
-                      </a:r>
-                      <a:r>
-                        <a:rPr lang="en-US" altLang="ko-KR" b="1" dirty="0">
-                          <a:solidFill>
-                            <a:schemeClr val="tx1"/>
-                          </a:solidFill>
-                        </a:rPr>
-                        <a:t>BGM, </a:t>
-                      </a:r>
-                      <a:r>
-                        <a:rPr lang="ko-KR" altLang="en-US" b="1" dirty="0">
-                          <a:solidFill>
-                            <a:schemeClr val="tx1"/>
-                          </a:solidFill>
-                        </a:rPr>
-                        <a:t>보스 전용 </a:t>
-                      </a:r>
-                      <a:r>
-                        <a:rPr lang="en-US" altLang="ko-KR" b="1" dirty="0">
-                          <a:solidFill>
-                            <a:schemeClr val="tx1"/>
-                          </a:solidFill>
-                        </a:rPr>
-                        <a:t>BGM, </a:t>
-                      </a:r>
-                      <a:r>
-                        <a:rPr lang="ko-KR" altLang="en-US" b="1" dirty="0">
-                          <a:solidFill>
-                            <a:schemeClr val="tx1"/>
-                          </a:solidFill>
-                        </a:rPr>
-                        <a:t>오브젝트 비행 애니메이션 구현</a:t>
-                      </a:r>
-                    </a:p>
-                  </a:txBody>
-                  <a:tcPr anchor="ctr">
-                    <a:solidFill>
-                      <a:schemeClr val="bg2"/>
-                    </a:solidFill>
-                  </a:tcPr>
-                </a:tc>
-                <a:extLst>
-                  <a:ext uri="{0D108BD9-81ED-4DB2-BD59-A6C34878D82A}">
-                    <a16:rowId xmlns:a16="http://schemas.microsoft.com/office/drawing/2014/main" val="2821277331"/>
-                  </a:ext>
-                </a:extLst>
-              </a:tr>
-              <a:tr h="504954">
-                <a:tc>
-                  <a:txBody>
-                    <a:bodyPr/>
-                    <a:lstStyle/>
-                    <a:p>
-                      <a:pPr algn="ctr" latinLnBrk="1"/>
-                      <a:r>
-                        <a:rPr lang="en-US" altLang="ko-KR" b="1" dirty="0">
-                          <a:solidFill>
-                            <a:schemeClr val="tx1"/>
-                          </a:solidFill>
-                        </a:rPr>
-                        <a:t>9</a:t>
-                      </a:r>
-                      <a:r>
-                        <a:rPr lang="ko-KR" altLang="en-US" b="1" dirty="0">
-                          <a:solidFill>
-                            <a:schemeClr val="tx1"/>
-                          </a:solidFill>
-                        </a:rPr>
-                        <a:t>주차</a:t>
-                      </a:r>
-                    </a:p>
-                  </a:txBody>
-                  <a:tcPr anchor="ctr">
-                    <a:solidFill>
-                      <a:schemeClr val="bg2"/>
-                    </a:solidFill>
-                  </a:tcPr>
-                </a:tc>
-                <a:tc>
-                  <a:txBody>
-                    <a:bodyPr/>
-                    <a:lstStyle/>
-                    <a:p>
-                      <a:pPr algn="ctr" latinLnBrk="1"/>
-                      <a:r>
-                        <a:rPr lang="ko-KR" altLang="en-US" b="1" dirty="0">
-                          <a:solidFill>
-                            <a:schemeClr val="tx1"/>
-                          </a:solidFill>
-                        </a:rPr>
-                        <a:t>밸런스 조절</a:t>
-                      </a:r>
-                    </a:p>
-                  </a:txBody>
-                  <a:tcPr anchor="ctr">
-                    <a:solidFill>
-                      <a:schemeClr val="bg2"/>
-                    </a:solidFill>
-                  </a:tcPr>
-                </a:tc>
-                <a:tc>
-                  <a:txBody>
-                    <a:bodyPr/>
-                    <a:lstStyle/>
-                    <a:p>
-                      <a:pPr algn="ctr" latinLnBrk="1"/>
-                      <a:r>
-                        <a:rPr lang="ko-KR" altLang="en-US" b="1" dirty="0">
-                          <a:solidFill>
-                            <a:schemeClr val="tx1"/>
-                          </a:solidFill>
-                        </a:rPr>
-                        <a:t>캐릭터별 속성에 따른 밸런스 조절</a:t>
-                      </a:r>
-                    </a:p>
-                  </a:txBody>
-                  <a:tcPr anchor="ctr">
-                    <a:solidFill>
-                      <a:schemeClr val="bg2"/>
-                    </a:solidFill>
-                  </a:tcPr>
-                </a:tc>
-                <a:extLst>
-                  <a:ext uri="{0D108BD9-81ED-4DB2-BD59-A6C34878D82A}">
-                    <a16:rowId xmlns:a16="http://schemas.microsoft.com/office/drawing/2014/main" val="4161408923"/>
-                  </a:ext>
-                </a:extLst>
-              </a:tr>
-              <a:tr h="504954">
-                <a:tc>
-                  <a:txBody>
-                    <a:bodyPr/>
-                    <a:lstStyle/>
-                    <a:p>
-                      <a:pPr algn="ctr" latinLnBrk="1"/>
-                      <a:r>
-                        <a:rPr lang="en-US" altLang="ko-KR" b="1" dirty="0">
-                          <a:solidFill>
-                            <a:schemeClr val="tx1"/>
-                          </a:solidFill>
-                        </a:rPr>
-                        <a:t>10</a:t>
-                      </a:r>
-                      <a:r>
-                        <a:rPr lang="ko-KR" altLang="en-US" b="1" dirty="0">
-                          <a:solidFill>
-                            <a:schemeClr val="tx1"/>
-                          </a:solidFill>
-                        </a:rPr>
-                        <a:t>주차</a:t>
-                      </a:r>
-                    </a:p>
-                  </a:txBody>
-                  <a:tcPr anchor="ctr">
-                    <a:solidFill>
-                      <a:schemeClr val="bg2"/>
-                    </a:solidFill>
-                  </a:tcPr>
-                </a:tc>
-                <a:tc>
-                  <a:txBody>
-                    <a:bodyPr/>
-                    <a:lstStyle/>
-                    <a:p>
-                      <a:pPr algn="ctr" latinLnBrk="1"/>
-                      <a:r>
-                        <a:rPr lang="ko-KR" altLang="en-US" b="1" dirty="0">
-                          <a:solidFill>
-                            <a:schemeClr val="tx1"/>
-                          </a:solidFill>
-                        </a:rPr>
-                        <a:t>마무리</a:t>
-                      </a:r>
-                    </a:p>
-                  </a:txBody>
-                  <a:tcPr anchor="ctr">
-                    <a:solidFill>
-                      <a:schemeClr val="bg2"/>
-                    </a:solidFill>
-                  </a:tcPr>
-                </a:tc>
-                <a:tc>
-                  <a:txBody>
-                    <a:bodyPr/>
-                    <a:lstStyle/>
-                    <a:p>
-                      <a:pPr algn="ctr" latinLnBrk="1"/>
-                      <a:r>
-                        <a:rPr lang="ko-KR" altLang="en-US" b="1" dirty="0">
-                          <a:solidFill>
-                            <a:schemeClr val="tx1"/>
-                          </a:solidFill>
-                        </a:rPr>
-                        <a:t>최종 점검</a:t>
-                      </a:r>
-                    </a:p>
-                  </a:txBody>
-                  <a:tcPr anchor="ctr">
-                    <a:solidFill>
-                      <a:schemeClr val="bg2"/>
-                    </a:solidFill>
-                  </a:tcPr>
-                </a:tc>
-                <a:extLst>
-                  <a:ext uri="{0D108BD9-81ED-4DB2-BD59-A6C34878D82A}">
-                    <a16:rowId xmlns:a16="http://schemas.microsoft.com/office/drawing/2014/main" val="2424721682"/>
-                  </a:ext>
-                </a:extLst>
-              </a:tr>
-            </a:tbl>
-          </a:graphicData>
-        </a:graphic>
-      </p:graphicFrame>
-    </p:spTree>
-    <p:extLst>
-      <p:ext uri="{BB962C8B-B14F-4D97-AF65-F5344CB8AC3E}">
-        <p14:creationId xmlns:p14="http://schemas.microsoft.com/office/powerpoint/2010/main" val="1317861559"/>
-      </p:ext>
-    </p:extLst>
-  </p:cSld>
-  <p:clrMapOvr>
-    <a:masterClrMapping/>
-  </p:clrMapOvr>
-</p:sld>
-</file>
-
-<file path=ppt/slides/slide5.xml><?xml version="1.0" encoding="utf-8"?>
+<file path=ppt/slides/slide3.xml><?xml version="1.0" encoding="utf-8"?>
 <p:sld xmlns:a="http://schemas.openxmlformats.org/drawingml/2006/main" xmlns:r="http://schemas.openxmlformats.org/officeDocument/2006/relationships" xmlns:p="http://schemas.openxmlformats.org/presentationml/2006/main">
   <p:cSld>
     <p:spTree>

--- a/2dgp.pptx
+++ b/2dgp.pptx
@@ -7720,7 +7720,7 @@
                   <a:schemeClr val="bg1"/>
                 </a:solidFill>
               </a:rPr>
-              <a:t>2DGP 2</a:t>
+              <a:t>2DGP 3</a:t>
             </a:r>
             <a:r>
               <a:rPr lang="ko-KR" altLang="en-US" dirty="0">
@@ -9331,10 +9331,10 @@
       </p:sp>
       <p:pic>
         <p:nvPicPr>
-          <p:cNvPr id="6" name="그림 5">
+          <p:cNvPr id="5" name="그림 4">
             <a:extLst>
               <a:ext uri="{FF2B5EF4-FFF2-40B4-BE49-F238E27FC236}">
-                <a16:creationId xmlns:a16="http://schemas.microsoft.com/office/drawing/2014/main" id="{86F26837-09CC-4F0F-AC98-07172D30764A}"/>
+                <a16:creationId xmlns:a16="http://schemas.microsoft.com/office/drawing/2014/main" id="{24FE8E90-99D9-438F-9E78-6383714EC8A1}"/>
               </a:ext>
             </a:extLst>
           </p:cNvPr>
@@ -9357,14 +9357,635 @@
         </p:blipFill>
         <p:spPr>
           <a:xfrm>
-            <a:off x="2077376" y="1233310"/>
-            <a:ext cx="8037248" cy="5367922"/>
+            <a:off x="5604768" y="2018542"/>
+            <a:ext cx="6041046" cy="3352448"/>
           </a:xfrm>
           <a:prstGeom prst="rect">
             <a:avLst/>
           </a:prstGeom>
         </p:spPr>
       </p:pic>
+      <p:graphicFrame>
+        <p:nvGraphicFramePr>
+          <p:cNvPr id="7" name="표 7">
+            <a:extLst>
+              <a:ext uri="{FF2B5EF4-FFF2-40B4-BE49-F238E27FC236}">
+                <a16:creationId xmlns:a16="http://schemas.microsoft.com/office/drawing/2014/main" id="{3129D932-839E-49F5-B92B-61C577502F15}"/>
+              </a:ext>
+            </a:extLst>
+          </p:cNvPr>
+          <p:cNvGraphicFramePr>
+            <a:graphicFrameLocks noGrp="1"/>
+          </p:cNvGraphicFramePr>
+          <p:nvPr>
+            <p:extLst>
+              <p:ext uri="{D42A27DB-BD31-4B8C-83A1-F6EECF244321}">
+                <p14:modId xmlns:p14="http://schemas.microsoft.com/office/powerpoint/2010/main" val="2532288734"/>
+              </p:ext>
+            </p:extLst>
+          </p:nvPr>
+        </p:nvGraphicFramePr>
+        <p:xfrm>
+          <a:off x="2076387" y="1467654"/>
+          <a:ext cx="3152560" cy="4873194"/>
+        </p:xfrm>
+        <a:graphic>
+          <a:graphicData uri="http://schemas.openxmlformats.org/drawingml/2006/table">
+            <a:tbl>
+              <a:tblPr firstRow="1" bandRow="1">
+                <a:tableStyleId>{5C22544A-7EE6-4342-B048-85BDC9FD1C3A}</a:tableStyleId>
+              </a:tblPr>
+              <a:tblGrid>
+                <a:gridCol w="1576280">
+                  <a:extLst>
+                    <a:ext uri="{9D8B030D-6E8A-4147-A177-3AD203B41FA5}">
+                      <a16:colId xmlns:a16="http://schemas.microsoft.com/office/drawing/2014/main" val="735285644"/>
+                    </a:ext>
+                  </a:extLst>
+                </a:gridCol>
+                <a:gridCol w="1576280">
+                  <a:extLst>
+                    <a:ext uri="{9D8B030D-6E8A-4147-A177-3AD203B41FA5}">
+                      <a16:colId xmlns:a16="http://schemas.microsoft.com/office/drawing/2014/main" val="1561201379"/>
+                    </a:ext>
+                  </a:extLst>
+                </a:gridCol>
+              </a:tblGrid>
+              <a:tr h="541466">
+                <a:tc>
+                  <a:txBody>
+                    <a:bodyPr/>
+                    <a:lstStyle/>
+                    <a:p>
+                      <a:pPr algn="ctr" latinLnBrk="1"/>
+                      <a:r>
+                        <a:rPr lang="ko-KR" altLang="en-US" dirty="0">
+                          <a:solidFill>
+                            <a:schemeClr val="tx1"/>
+                          </a:solidFill>
+                        </a:rPr>
+                        <a:t>주</a:t>
+                      </a:r>
+                    </a:p>
+                  </a:txBody>
+                  <a:tcPr>
+                    <a:solidFill>
+                      <a:schemeClr val="bg2"/>
+                    </a:solidFill>
+                  </a:tcPr>
+                </a:tc>
+                <a:tc>
+                  <a:txBody>
+                    <a:bodyPr/>
+                    <a:lstStyle/>
+                    <a:p>
+                      <a:pPr algn="ctr" latinLnBrk="1"/>
+                      <a:r>
+                        <a:rPr lang="ko-KR" altLang="en-US" dirty="0" err="1">
+                          <a:solidFill>
+                            <a:schemeClr val="tx1"/>
+                          </a:solidFill>
+                        </a:rPr>
+                        <a:t>커밋</a:t>
+                      </a:r>
+                      <a:r>
+                        <a:rPr lang="ko-KR" altLang="en-US" dirty="0">
+                          <a:solidFill>
+                            <a:schemeClr val="tx1"/>
+                          </a:solidFill>
+                        </a:rPr>
+                        <a:t> 횟수</a:t>
+                      </a:r>
+                    </a:p>
+                  </a:txBody>
+                  <a:tcPr>
+                    <a:solidFill>
+                      <a:schemeClr val="bg2"/>
+                    </a:solidFill>
+                  </a:tcPr>
+                </a:tc>
+                <a:extLst>
+                  <a:ext uri="{0D108BD9-81ED-4DB2-BD59-A6C34878D82A}">
+                    <a16:rowId xmlns:a16="http://schemas.microsoft.com/office/drawing/2014/main" val="1069286461"/>
+                  </a:ext>
+                </a:extLst>
+              </a:tr>
+              <a:tr h="541466">
+                <a:tc>
+                  <a:txBody>
+                    <a:bodyPr/>
+                    <a:lstStyle/>
+                    <a:p>
+                      <a:pPr algn="ctr" latinLnBrk="1"/>
+                      <a:r>
+                        <a:rPr lang="en-US" altLang="ko-KR" dirty="0">
+                          <a:solidFill>
+                            <a:schemeClr val="tx1"/>
+                          </a:solidFill>
+                        </a:rPr>
+                        <a:t>1</a:t>
+                      </a:r>
+                      <a:r>
+                        <a:rPr lang="ko-KR" altLang="en-US" dirty="0">
+                          <a:solidFill>
+                            <a:schemeClr val="tx1"/>
+                          </a:solidFill>
+                        </a:rPr>
+                        <a:t>주차</a:t>
+                      </a:r>
+                    </a:p>
+                  </a:txBody>
+                  <a:tcPr>
+                    <a:solidFill>
+                      <a:schemeClr val="bg2"/>
+                    </a:solidFill>
+                  </a:tcPr>
+                </a:tc>
+                <a:tc>
+                  <a:txBody>
+                    <a:bodyPr/>
+                    <a:lstStyle/>
+                    <a:p>
+                      <a:pPr algn="ctr" latinLnBrk="1"/>
+                      <a:r>
+                        <a:rPr lang="en-US" altLang="ko-KR" dirty="0">
+                          <a:solidFill>
+                            <a:schemeClr val="tx1"/>
+                          </a:solidFill>
+                        </a:rPr>
+                        <a:t>0</a:t>
+                      </a:r>
+                      <a:endParaRPr lang="ko-KR" altLang="en-US" dirty="0">
+                        <a:solidFill>
+                          <a:schemeClr val="tx1"/>
+                        </a:solidFill>
+                      </a:endParaRPr>
+                    </a:p>
+                  </a:txBody>
+                  <a:tcPr>
+                    <a:solidFill>
+                      <a:schemeClr val="bg2"/>
+                    </a:solidFill>
+                  </a:tcPr>
+                </a:tc>
+                <a:extLst>
+                  <a:ext uri="{0D108BD9-81ED-4DB2-BD59-A6C34878D82A}">
+                    <a16:rowId xmlns:a16="http://schemas.microsoft.com/office/drawing/2014/main" val="1857753493"/>
+                  </a:ext>
+                </a:extLst>
+              </a:tr>
+              <a:tr h="541466">
+                <a:tc>
+                  <a:txBody>
+                    <a:bodyPr/>
+                    <a:lstStyle/>
+                    <a:p>
+                      <a:pPr algn="ctr" latinLnBrk="1"/>
+                      <a:r>
+                        <a:rPr lang="en-US" altLang="ko-KR" dirty="0">
+                          <a:solidFill>
+                            <a:schemeClr val="tx1"/>
+                          </a:solidFill>
+                        </a:rPr>
+                        <a:t>2</a:t>
+                      </a:r>
+                      <a:r>
+                        <a:rPr lang="ko-KR" altLang="en-US" dirty="0">
+                          <a:solidFill>
+                            <a:schemeClr val="tx1"/>
+                          </a:solidFill>
+                        </a:rPr>
+                        <a:t>주차</a:t>
+                      </a:r>
+                    </a:p>
+                  </a:txBody>
+                  <a:tcPr>
+                    <a:solidFill>
+                      <a:schemeClr val="bg2"/>
+                    </a:solidFill>
+                  </a:tcPr>
+                </a:tc>
+                <a:tc>
+                  <a:txBody>
+                    <a:bodyPr/>
+                    <a:lstStyle/>
+                    <a:p>
+                      <a:pPr algn="ctr" latinLnBrk="1"/>
+                      <a:r>
+                        <a:rPr lang="en-US" altLang="ko-KR" dirty="0">
+                          <a:solidFill>
+                            <a:schemeClr val="tx1"/>
+                          </a:solidFill>
+                        </a:rPr>
+                        <a:t>0</a:t>
+                      </a:r>
+                      <a:endParaRPr lang="ko-KR" altLang="en-US" dirty="0">
+                        <a:solidFill>
+                          <a:schemeClr val="tx1"/>
+                        </a:solidFill>
+                      </a:endParaRPr>
+                    </a:p>
+                  </a:txBody>
+                  <a:tcPr>
+                    <a:solidFill>
+                      <a:schemeClr val="bg2"/>
+                    </a:solidFill>
+                  </a:tcPr>
+                </a:tc>
+                <a:extLst>
+                  <a:ext uri="{0D108BD9-81ED-4DB2-BD59-A6C34878D82A}">
+                    <a16:rowId xmlns:a16="http://schemas.microsoft.com/office/drawing/2014/main" val="44466457"/>
+                  </a:ext>
+                </a:extLst>
+              </a:tr>
+              <a:tr h="541466">
+                <a:tc>
+                  <a:txBody>
+                    <a:bodyPr/>
+                    <a:lstStyle/>
+                    <a:p>
+                      <a:pPr algn="ctr" latinLnBrk="1"/>
+                      <a:r>
+                        <a:rPr lang="en-US" altLang="ko-KR" dirty="0">
+                          <a:solidFill>
+                            <a:schemeClr val="tx1"/>
+                          </a:solidFill>
+                        </a:rPr>
+                        <a:t>3</a:t>
+                      </a:r>
+                      <a:r>
+                        <a:rPr lang="ko-KR" altLang="en-US" dirty="0">
+                          <a:solidFill>
+                            <a:schemeClr val="tx1"/>
+                          </a:solidFill>
+                        </a:rPr>
+                        <a:t>주차</a:t>
+                      </a:r>
+                    </a:p>
+                  </a:txBody>
+                  <a:tcPr>
+                    <a:solidFill>
+                      <a:schemeClr val="bg2"/>
+                    </a:solidFill>
+                  </a:tcPr>
+                </a:tc>
+                <a:tc>
+                  <a:txBody>
+                    <a:bodyPr/>
+                    <a:lstStyle/>
+                    <a:p>
+                      <a:pPr algn="ctr" latinLnBrk="1"/>
+                      <a:r>
+                        <a:rPr lang="en-US" altLang="ko-KR" dirty="0">
+                          <a:solidFill>
+                            <a:schemeClr val="tx1"/>
+                          </a:solidFill>
+                        </a:rPr>
+                        <a:t>2</a:t>
+                      </a:r>
+                      <a:endParaRPr lang="ko-KR" altLang="en-US" dirty="0">
+                        <a:solidFill>
+                          <a:schemeClr val="tx1"/>
+                        </a:solidFill>
+                      </a:endParaRPr>
+                    </a:p>
+                  </a:txBody>
+                  <a:tcPr>
+                    <a:solidFill>
+                      <a:schemeClr val="bg2"/>
+                    </a:solidFill>
+                  </a:tcPr>
+                </a:tc>
+                <a:extLst>
+                  <a:ext uri="{0D108BD9-81ED-4DB2-BD59-A6C34878D82A}">
+                    <a16:rowId xmlns:a16="http://schemas.microsoft.com/office/drawing/2014/main" val="3196374175"/>
+                  </a:ext>
+                </a:extLst>
+              </a:tr>
+              <a:tr h="541466">
+                <a:tc>
+                  <a:txBody>
+                    <a:bodyPr/>
+                    <a:lstStyle/>
+                    <a:p>
+                      <a:pPr algn="ctr" latinLnBrk="1"/>
+                      <a:r>
+                        <a:rPr lang="en-US" altLang="ko-KR" dirty="0">
+                          <a:solidFill>
+                            <a:schemeClr val="tx1"/>
+                          </a:solidFill>
+                        </a:rPr>
+                        <a:t>4</a:t>
+                      </a:r>
+                      <a:r>
+                        <a:rPr lang="ko-KR" altLang="en-US" dirty="0">
+                          <a:solidFill>
+                            <a:schemeClr val="tx1"/>
+                          </a:solidFill>
+                        </a:rPr>
+                        <a:t>주차</a:t>
+                      </a:r>
+                    </a:p>
+                  </a:txBody>
+                  <a:tcPr>
+                    <a:solidFill>
+                      <a:schemeClr val="bg2"/>
+                    </a:solidFill>
+                  </a:tcPr>
+                </a:tc>
+                <a:tc>
+                  <a:txBody>
+                    <a:bodyPr/>
+                    <a:lstStyle/>
+                    <a:p>
+                      <a:pPr algn="ctr" latinLnBrk="1"/>
+                      <a:r>
+                        <a:rPr lang="en-US" altLang="ko-KR" dirty="0">
+                          <a:solidFill>
+                            <a:schemeClr val="tx1"/>
+                          </a:solidFill>
+                        </a:rPr>
+                        <a:t>4</a:t>
+                      </a:r>
+                      <a:endParaRPr lang="ko-KR" altLang="en-US" dirty="0">
+                        <a:solidFill>
+                          <a:schemeClr val="tx1"/>
+                        </a:solidFill>
+                      </a:endParaRPr>
+                    </a:p>
+                  </a:txBody>
+                  <a:tcPr>
+                    <a:solidFill>
+                      <a:schemeClr val="bg2"/>
+                    </a:solidFill>
+                  </a:tcPr>
+                </a:tc>
+                <a:extLst>
+                  <a:ext uri="{0D108BD9-81ED-4DB2-BD59-A6C34878D82A}">
+                    <a16:rowId xmlns:a16="http://schemas.microsoft.com/office/drawing/2014/main" val="932018923"/>
+                  </a:ext>
+                </a:extLst>
+              </a:tr>
+              <a:tr h="541466">
+                <a:tc>
+                  <a:txBody>
+                    <a:bodyPr/>
+                    <a:lstStyle/>
+                    <a:p>
+                      <a:pPr algn="ctr" latinLnBrk="1"/>
+                      <a:r>
+                        <a:rPr lang="en-US" altLang="ko-KR" dirty="0">
+                          <a:solidFill>
+                            <a:schemeClr val="tx1"/>
+                          </a:solidFill>
+                        </a:rPr>
+                        <a:t>5</a:t>
+                      </a:r>
+                      <a:r>
+                        <a:rPr lang="ko-KR" altLang="en-US" dirty="0">
+                          <a:solidFill>
+                            <a:schemeClr val="tx1"/>
+                          </a:solidFill>
+                        </a:rPr>
+                        <a:t>주차</a:t>
+                      </a:r>
+                    </a:p>
+                  </a:txBody>
+                  <a:tcPr>
+                    <a:solidFill>
+                      <a:schemeClr val="bg2"/>
+                    </a:solidFill>
+                  </a:tcPr>
+                </a:tc>
+                <a:tc>
+                  <a:txBody>
+                    <a:bodyPr/>
+                    <a:lstStyle/>
+                    <a:p>
+                      <a:pPr algn="ctr" latinLnBrk="1"/>
+                      <a:r>
+                        <a:rPr lang="en-US" altLang="ko-KR" dirty="0">
+                          <a:solidFill>
+                            <a:schemeClr val="tx1"/>
+                          </a:solidFill>
+                        </a:rPr>
+                        <a:t>8</a:t>
+                      </a:r>
+                      <a:endParaRPr lang="ko-KR" altLang="en-US" dirty="0">
+                        <a:solidFill>
+                          <a:schemeClr val="tx1"/>
+                        </a:solidFill>
+                      </a:endParaRPr>
+                    </a:p>
+                  </a:txBody>
+                  <a:tcPr>
+                    <a:solidFill>
+                      <a:schemeClr val="bg2"/>
+                    </a:solidFill>
+                  </a:tcPr>
+                </a:tc>
+                <a:extLst>
+                  <a:ext uri="{0D108BD9-81ED-4DB2-BD59-A6C34878D82A}">
+                    <a16:rowId xmlns:a16="http://schemas.microsoft.com/office/drawing/2014/main" val="195402276"/>
+                  </a:ext>
+                </a:extLst>
+              </a:tr>
+              <a:tr h="541466">
+                <a:tc>
+                  <a:txBody>
+                    <a:bodyPr/>
+                    <a:lstStyle/>
+                    <a:p>
+                      <a:pPr algn="ctr" latinLnBrk="1"/>
+                      <a:r>
+                        <a:rPr lang="en-US" altLang="ko-KR" dirty="0">
+                          <a:solidFill>
+                            <a:schemeClr val="tx1"/>
+                          </a:solidFill>
+                        </a:rPr>
+                        <a:t>6</a:t>
+                      </a:r>
+                      <a:r>
+                        <a:rPr lang="ko-KR" altLang="en-US" dirty="0">
+                          <a:solidFill>
+                            <a:schemeClr val="tx1"/>
+                          </a:solidFill>
+                        </a:rPr>
+                        <a:t>주차</a:t>
+                      </a:r>
+                    </a:p>
+                  </a:txBody>
+                  <a:tcPr>
+                    <a:solidFill>
+                      <a:schemeClr val="bg2"/>
+                    </a:solidFill>
+                  </a:tcPr>
+                </a:tc>
+                <a:tc>
+                  <a:txBody>
+                    <a:bodyPr/>
+                    <a:lstStyle/>
+                    <a:p>
+                      <a:pPr algn="ctr" latinLnBrk="1"/>
+                      <a:r>
+                        <a:rPr lang="en-US" altLang="ko-KR" dirty="0">
+                          <a:solidFill>
+                            <a:schemeClr val="tx1"/>
+                          </a:solidFill>
+                        </a:rPr>
+                        <a:t>0</a:t>
+                      </a:r>
+                      <a:endParaRPr lang="ko-KR" altLang="en-US" dirty="0">
+                        <a:solidFill>
+                          <a:schemeClr val="tx1"/>
+                        </a:solidFill>
+                      </a:endParaRPr>
+                    </a:p>
+                  </a:txBody>
+                  <a:tcPr>
+                    <a:solidFill>
+                      <a:schemeClr val="bg2"/>
+                    </a:solidFill>
+                  </a:tcPr>
+                </a:tc>
+                <a:extLst>
+                  <a:ext uri="{0D108BD9-81ED-4DB2-BD59-A6C34878D82A}">
+                    <a16:rowId xmlns:a16="http://schemas.microsoft.com/office/drawing/2014/main" val="248792854"/>
+                  </a:ext>
+                </a:extLst>
+              </a:tr>
+              <a:tr h="541466">
+                <a:tc>
+                  <a:txBody>
+                    <a:bodyPr/>
+                    <a:lstStyle/>
+                    <a:p>
+                      <a:pPr algn="ctr" latinLnBrk="1"/>
+                      <a:r>
+                        <a:rPr lang="en-US" altLang="ko-KR" dirty="0">
+                          <a:solidFill>
+                            <a:schemeClr val="tx1"/>
+                          </a:solidFill>
+                        </a:rPr>
+                        <a:t>7</a:t>
+                      </a:r>
+                      <a:r>
+                        <a:rPr lang="ko-KR" altLang="en-US" dirty="0">
+                          <a:solidFill>
+                            <a:schemeClr val="tx1"/>
+                          </a:solidFill>
+                        </a:rPr>
+                        <a:t>주차</a:t>
+                      </a:r>
+                    </a:p>
+                  </a:txBody>
+                  <a:tcPr>
+                    <a:solidFill>
+                      <a:schemeClr val="bg2"/>
+                    </a:solidFill>
+                  </a:tcPr>
+                </a:tc>
+                <a:tc>
+                  <a:txBody>
+                    <a:bodyPr/>
+                    <a:lstStyle/>
+                    <a:p>
+                      <a:pPr algn="ctr" latinLnBrk="1"/>
+                      <a:r>
+                        <a:rPr lang="en-US" altLang="ko-KR" dirty="0">
+                          <a:solidFill>
+                            <a:schemeClr val="tx1"/>
+                          </a:solidFill>
+                        </a:rPr>
+                        <a:t>4</a:t>
+                      </a:r>
+                      <a:endParaRPr lang="ko-KR" altLang="en-US" dirty="0">
+                        <a:solidFill>
+                          <a:schemeClr val="tx1"/>
+                        </a:solidFill>
+                      </a:endParaRPr>
+                    </a:p>
+                  </a:txBody>
+                  <a:tcPr>
+                    <a:solidFill>
+                      <a:schemeClr val="bg2"/>
+                    </a:solidFill>
+                  </a:tcPr>
+                </a:tc>
+                <a:extLst>
+                  <a:ext uri="{0D108BD9-81ED-4DB2-BD59-A6C34878D82A}">
+                    <a16:rowId xmlns:a16="http://schemas.microsoft.com/office/drawing/2014/main" val="2389528258"/>
+                  </a:ext>
+                </a:extLst>
+              </a:tr>
+              <a:tr h="541466">
+                <a:tc>
+                  <a:txBody>
+                    <a:bodyPr/>
+                    <a:lstStyle/>
+                    <a:p>
+                      <a:pPr algn="ctr" latinLnBrk="1"/>
+                      <a:r>
+                        <a:rPr lang="en-US" altLang="ko-KR" dirty="0">
+                          <a:solidFill>
+                            <a:schemeClr val="tx1"/>
+                          </a:solidFill>
+                        </a:rPr>
+                        <a:t>8</a:t>
+                      </a:r>
+                      <a:r>
+                        <a:rPr lang="ko-KR" altLang="en-US" dirty="0">
+                          <a:solidFill>
+                            <a:schemeClr val="tx1"/>
+                          </a:solidFill>
+                        </a:rPr>
+                        <a:t>주차</a:t>
+                      </a:r>
+                    </a:p>
+                  </a:txBody>
+                  <a:tcPr>
+                    <a:solidFill>
+                      <a:schemeClr val="bg2"/>
+                    </a:solidFill>
+                  </a:tcPr>
+                </a:tc>
+                <a:tc>
+                  <a:txBody>
+                    <a:bodyPr/>
+                    <a:lstStyle/>
+                    <a:p>
+                      <a:pPr algn="ctr" latinLnBrk="1"/>
+                      <a:r>
+                        <a:rPr lang="en-US" altLang="ko-KR" dirty="0">
+                          <a:solidFill>
+                            <a:schemeClr val="tx1"/>
+                          </a:solidFill>
+                        </a:rPr>
+                        <a:t>6</a:t>
+                      </a:r>
+                      <a:endParaRPr lang="ko-KR" altLang="en-US" dirty="0">
+                        <a:solidFill>
+                          <a:schemeClr val="tx1"/>
+                        </a:solidFill>
+                      </a:endParaRPr>
+                    </a:p>
+                  </a:txBody>
+                  <a:tcPr>
+                    <a:solidFill>
+                      <a:schemeClr val="bg2"/>
+                    </a:solidFill>
+                  </a:tcPr>
+                </a:tc>
+                <a:extLst>
+                  <a:ext uri="{0D108BD9-81ED-4DB2-BD59-A6C34878D82A}">
+                    <a16:rowId xmlns:a16="http://schemas.microsoft.com/office/drawing/2014/main" val="3155231718"/>
+                  </a:ext>
+                </a:extLst>
+              </a:tr>
+            </a:tbl>
+          </a:graphicData>
+        </a:graphic>
+      </p:graphicFrame>
     </p:spTree>
     <p:extLst>
       <p:ext uri="{BB962C8B-B14F-4D97-AF65-F5344CB8AC3E}">
